--- a/Pandas_Cheat_Sheet.pptx
+++ b/Pandas_Cheat_Sheet.pptx
@@ -2991,10 +2991,10 @@
       </p:grpSpPr>
       <p:sp>
         <p:nvSpPr>
-          <p:cNvPr id="97" name="Rounded Rectangle 45">
+          <p:cNvPr id="5" name="Rechteck: abgerundete Ecken 4">
             <a:extLst>
               <a:ext uri="{FF2B5EF4-FFF2-40B4-BE49-F238E27FC236}">
-                <a16:creationId xmlns:a16="http://schemas.microsoft.com/office/drawing/2014/main" id="{56A615AA-DAA1-4507-B94F-B4EDF5CE522F}"/>
+                <a16:creationId xmlns:a16="http://schemas.microsoft.com/office/drawing/2014/main" id="{72D94952-F364-408A-A6EE-02883BBDA36B}"/>
               </a:ext>
             </a:extLst>
           </p:cNvPr>
@@ -3003,12 +3003,12 @@
         </p:nvSpPr>
         <p:spPr>
           <a:xfrm>
-            <a:off x="229000" y="537902"/>
-            <a:ext cx="3485527" cy="730464"/>
+            <a:off x="251102" y="539114"/>
+            <a:ext cx="3441323" cy="791072"/>
           </a:xfrm>
           <a:prstGeom prst="roundRect">
             <a:avLst>
-              <a:gd name="adj" fmla="val 1508"/>
+              <a:gd name="adj" fmla="val 4927"/>
             </a:avLst>
           </a:prstGeom>
           <a:solidFill>
@@ -3017,6 +3017,11 @@
               <a:lumOff val="80000"/>
             </a:schemeClr>
           </a:solidFill>
+          <a:ln>
+            <a:solidFill>
+              <a:schemeClr val="accent2"/>
+            </a:solidFill>
+          </a:ln>
         </p:spPr>
         <p:style>
           <a:lnRef idx="2">
@@ -3039,7 +3044,7 @@
           <a:lstStyle/>
           <a:p>
             <a:pPr algn="ctr"/>
-            <a:endParaRPr lang="en-US" sz="2683" dirty="0"/>
+            <a:endParaRPr lang="de-DE"/>
           </a:p>
         </p:txBody>
       </p:sp>
@@ -3250,7 +3255,7 @@
           <a:p>
             <a:pPr algn="ctr"/>
             <a:r>
-              <a:rPr lang="en-US" sz="2800" b="1" dirty="0">
+              <a:rPr lang="en-US" sz="2800" b="1">
                 <a:solidFill>
                   <a:schemeClr val="bg1"/>
                 </a:solidFill>
@@ -3265,27 +3270,16 @@
               <a:t>Reshaping Data</a:t>
             </a:r>
             <a:r>
-              <a:rPr lang="en-US" sz="2800" dirty="0">
+              <a:rPr lang="en-US" sz="2800">
                 <a:solidFill>
                   <a:schemeClr val="bg1"/>
                 </a:solidFill>
-                <a:hlinkClick r:id="rId3">
-                  <a:extLst>
-                    <a:ext uri="{A12FA001-AC4F-418D-AE19-62706E023703}">
-                      <ahyp:hlinkClr xmlns:ahyp="http://schemas.microsoft.com/office/drawing/2018/hyperlinkcolor" val="tx"/>
-                    </a:ext>
-                  </a:extLst>
-                </a:hlinkClick>
               </a:rPr>
               <a:t> </a:t>
             </a:r>
             <a:r>
-              <a:rPr lang="en-US" sz="1800" dirty="0"/>
-              <a:t>– </a:t>
-            </a:r>
-            <a:r>
               <a:rPr lang="en-US" sz="1800"/>
-              <a:t>Change layout, </a:t>
+              <a:t>– Change layout, </a:t>
             </a:r>
             <a:r>
               <a:rPr lang="en-US" sz="1800">
@@ -7145,11 +7139,27 @@
           <a:p>
             <a:pPr algn="ctr"/>
             <a:r>
-              <a:rPr lang="en-US" sz="2800" b="1" dirty="0">
+              <a:rPr lang="en-US" sz="2800" b="1">
                 <a:solidFill>
                   <a:schemeClr val="bg1"/>
                 </a:solidFill>
-                <a:hlinkClick r:id="rId14">
+              </a:rPr>
+              <a:t>Subset Observations </a:t>
+            </a:r>
+            <a:r>
+              <a:rPr lang="en-US" sz="1800">
+                <a:solidFill>
+                  <a:schemeClr val="bg1"/>
+                </a:solidFill>
+              </a:rPr>
+              <a:t>–  </a:t>
+            </a:r>
+            <a:r>
+              <a:rPr lang="en-US" sz="1800">
+                <a:solidFill>
+                  <a:schemeClr val="bg1"/>
+                </a:solidFill>
+                <a:hlinkClick r:id="rId3">
                   <a:extLst>
                     <a:ext uri="{A12FA001-AC4F-418D-AE19-62706E023703}">
                       <ahyp:hlinkClr xmlns:ahyp="http://schemas.microsoft.com/office/drawing/2018/hyperlinkcolor" val="tx"/>
@@ -7157,30 +7167,7 @@
                   </a:extLst>
                 </a:hlinkClick>
               </a:rPr>
-              <a:t>Subset </a:t>
-            </a:r>
-            <a:r>
-              <a:rPr lang="en-US" sz="2800" b="1">
-                <a:solidFill>
-                  <a:schemeClr val="bg1"/>
-                </a:solidFill>
-                <a:hlinkClick r:id="rId14">
-                  <a:extLst>
-                    <a:ext uri="{A12FA001-AC4F-418D-AE19-62706E023703}">
-                      <ahyp:hlinkClr xmlns:ahyp="http://schemas.microsoft.com/office/drawing/2018/hyperlinkcolor" val="tx"/>
-                    </a:ext>
-                  </a:extLst>
-                </a:hlinkClick>
-              </a:rPr>
-              <a:t>Observations </a:t>
-            </a:r>
-            <a:r>
-              <a:rPr lang="en-US" sz="2800" b="1">
-                <a:solidFill>
-                  <a:schemeClr val="bg1"/>
-                </a:solidFill>
-              </a:rPr>
-              <a:t> </a:t>
+              <a:t>Selecting Data</a:t>
             </a:r>
             <a:r>
               <a:rPr lang="en-US" sz="1800">
@@ -7188,7 +7175,7 @@
                   <a:schemeClr val="bg1"/>
                 </a:solidFill>
               </a:rPr>
-              <a:t>– Selecting Data: rows or columns</a:t>
+              <a:t>: rows or columns</a:t>
             </a:r>
             <a:endParaRPr lang="en-US" sz="2683" dirty="0"/>
           </a:p>
@@ -8208,8 +8195,8 @@
         </p:nvSpPr>
         <p:spPr>
           <a:xfrm>
-            <a:off x="315179" y="3357213"/>
-            <a:ext cx="3291069" cy="2677656"/>
+            <a:off x="370160" y="2778705"/>
+            <a:ext cx="3291069" cy="3170099"/>
           </a:xfrm>
           <a:prstGeom prst="rect">
             <a:avLst/>
@@ -8223,10 +8210,69 @@
           <a:lstStyle/>
           <a:p>
             <a:r>
+              <a:rPr lang="en-US" sz="1200" b="1">
+                <a:hlinkClick r:id="rId2"/>
+              </a:rPr>
+              <a:t>IO-Tools</a:t>
+            </a:r>
+            <a:r>
+              <a:rPr lang="en-US" sz="1200" b="1"/>
+              <a:t> from files</a:t>
+            </a:r>
+            <a:br>
+              <a:rPr lang="en-US" sz="1200" b="1">
+                <a:latin typeface="Consolas" panose="020B0609020204030204" pitchFamily="49" charset="0"/>
+              </a:rPr>
+            </a:br>
+            <a:r>
+              <a:rPr lang="en-US" sz="1200" b="1">
+                <a:latin typeface="Consolas" panose="020B0609020204030204" pitchFamily="49" charset="0"/>
+              </a:rPr>
+              <a:t>df = pd.</a:t>
+            </a:r>
+            <a:r>
+              <a:rPr lang="en-US" sz="1200" b="1">
+                <a:latin typeface="Consolas" panose="020B0609020204030204" pitchFamily="49" charset="0"/>
+                <a:hlinkClick r:id="rId14"/>
+              </a:rPr>
+              <a:t>read_csv</a:t>
+            </a:r>
+            <a:r>
+              <a:rPr lang="en-US" sz="1200" b="1">
+                <a:latin typeface="Consolas" panose="020B0609020204030204" pitchFamily="49" charset="0"/>
+              </a:rPr>
+              <a:t>(“</a:t>
+            </a:r>
+            <a:r>
+              <a:rPr lang="en-US" sz="1200" b="1" i="1">
+                <a:latin typeface="Consolas" panose="020B0609020204030204" pitchFamily="49" charset="0"/>
+              </a:rPr>
+              <a:t>filepath</a:t>
+            </a:r>
+            <a:r>
+              <a:rPr lang="en-US" sz="1200" b="1">
+                <a:latin typeface="Consolas" panose="020B0609020204030204" pitchFamily="49" charset="0"/>
+              </a:rPr>
+              <a:t>”)</a:t>
+            </a:r>
+          </a:p>
+          <a:p>
+            <a:endParaRPr lang="en-US" sz="1200" b="1">
+              <a:latin typeface="Consolas" panose="020B0609020204030204" pitchFamily="49" charset="0"/>
+            </a:endParaRPr>
+          </a:p>
+          <a:p>
+            <a:r>
+              <a:rPr lang="en-US" sz="1200" b="1">
+                <a:latin typeface="Consolas" panose="020B0609020204030204" pitchFamily="49" charset="0"/>
+              </a:rPr>
+              <a:t>df </a:t>
+            </a:r>
+            <a:r>
               <a:rPr lang="en-US" sz="1200" b="1" dirty="0">
                 <a:latin typeface="Consolas" panose="020B0609020204030204" pitchFamily="49" charset="0"/>
               </a:rPr>
-              <a:t>df = </a:t>
+              <a:t>= </a:t>
             </a:r>
             <a:r>
               <a:rPr lang="en-US" sz="1200" b="1" dirty="0" err="1">
@@ -8367,13 +8413,13 @@
           <p:nvPr>
             <p:extLst>
               <p:ext uri="{D42A27DB-BD31-4B8C-83A1-F6EECF244321}">
-                <p14:modId xmlns:p14="http://schemas.microsoft.com/office/powerpoint/2010/main" val="3795066715"/>
+                <p14:modId xmlns:p14="http://schemas.microsoft.com/office/powerpoint/2010/main" val="1345065916"/>
               </p:ext>
             </p:extLst>
           </p:nvPr>
         </p:nvGraphicFramePr>
         <p:xfrm>
-          <a:off x="1033995" y="6016377"/>
+          <a:off x="1033995" y="5940177"/>
           <a:ext cx="1691240" cy="990600"/>
         </p:xfrm>
         <a:graphic>
@@ -9823,14 +9869,14 @@
           <a:effectLst/>
           <a:extLst>
             <a:ext uri="{909E8E84-426E-40dd-AFC4-6F175D3DCCD1}">
-              <a14:hiddenFill xmlns="" xmlns:a14="http://schemas.microsoft.com/office/drawing/2010/main">
+              <a14:hiddenFill xmlns:a14="http://schemas.microsoft.com/office/drawing/2010/main" xmlns="">
                 <a:solidFill>
                   <a:schemeClr val="accent1"/>
                 </a:solidFill>
               </a14:hiddenFill>
             </a:ext>
             <a:ext uri="{91240B29-F687-4f45-9708-019B960494DF}">
-              <a14:hiddenLine xmlns="" xmlns:a14="http://schemas.microsoft.com/office/drawing/2010/main" w="9525">
+              <a14:hiddenLine xmlns:a14="http://schemas.microsoft.com/office/drawing/2010/main" xmlns="" w="9525">
                 <a:solidFill>
                   <a:schemeClr val="tx1"/>
                 </a:solidFill>
@@ -9840,7 +9886,7 @@
               </a14:hiddenLine>
             </a:ext>
             <a:ext uri="{AF507438-7753-43e0-B8FC-AC1667EBCBE1}">
-              <a14:hiddenEffects xmlns="" xmlns:a14="http://schemas.microsoft.com/office/drawing/2010/main">
+              <a14:hiddenEffects xmlns:a14="http://schemas.microsoft.com/office/drawing/2010/main" xmlns="">
                 <a:effectLst>
                   <a:outerShdw dist="35921" dir="2700000" algn="ctr" rotWithShape="0">
                     <a:schemeClr val="bg2"/>
@@ -10135,7 +10181,7 @@
         <p:spPr>
           <a:xfrm>
             <a:off x="281972" y="9015820"/>
-            <a:ext cx="3291069" cy="1754326"/>
+            <a:ext cx="3454610" cy="1569660"/>
           </a:xfrm>
           <a:prstGeom prst="rect">
             <a:avLst/>
@@ -10158,24 +10204,23 @@
             </a:r>
             <a:r>
               <a:rPr lang="en-US" sz="1200" dirty="0"/>
-              <a:t> so that another pandas method can be applied to the result.  This improves readability of code.</a:t>
-            </a:r>
-            <a:endParaRPr lang="en-US" sz="1200" b="1" dirty="0">
-              <a:latin typeface="Consolas" panose="020B0609020204030204" pitchFamily="49" charset="0"/>
-            </a:endParaRPr>
-          </a:p>
-          <a:p>
-            <a:r>
-              <a:rPr lang="en-US" sz="1200" b="1" dirty="0" err="1">
-                <a:latin typeface="Consolas" panose="020B0609020204030204" pitchFamily="49" charset="0"/>
-              </a:rPr>
-              <a:t>df</a:t>
+              <a:t> so that another pandas method can be applied to the result</a:t>
+            </a:r>
+            <a:r>
+              <a:rPr lang="en-US" sz="1200"/>
+              <a:t>. </a:t>
+            </a:r>
+            <a:r>
+              <a:rPr lang="en-US" sz="1200" b="1">
+                <a:latin typeface="Consolas" panose="020B0609020204030204" pitchFamily="49" charset="0"/>
+              </a:rPr>
+              <a:t>df </a:t>
             </a:r>
             <a:r>
               <a:rPr lang="en-US" sz="1200" b="1" dirty="0">
                 <a:latin typeface="Consolas" panose="020B0609020204030204" pitchFamily="49" charset="0"/>
               </a:rPr>
-              <a:t> = (</a:t>
+              <a:t>= (</a:t>
             </a:r>
             <a:r>
               <a:rPr lang="en-US" sz="1200" b="1" dirty="0" err="1">
@@ -13017,7 +13062,7 @@
         <p:spPr>
           <a:xfrm>
             <a:off x="6295475" y="6335856"/>
-            <a:ext cx="3420025" cy="2492990"/>
+            <a:ext cx="3420025" cy="2308324"/>
           </a:xfrm>
           <a:prstGeom prst="rect">
             <a:avLst/>
@@ -13106,10 +13151,6 @@
               <a:rPr lang="en-US" sz="1200"/>
               <a:t>     Select columns in positions 1, 2 and 5 (first column is 0).</a:t>
             </a:r>
-            <a:br>
-              <a:rPr lang="en-US" sz="1200"/>
-            </a:br>
-            <a:endParaRPr lang="en-US" sz="1200"/>
           </a:p>
           <a:p>
             <a:r>
@@ -13233,88 +13274,6 @@
       </p:sp>
       <p:sp>
         <p:nvSpPr>
-          <p:cNvPr id="92" name="TextBox 82">
-            <a:extLst>
-              <a:ext uri="{FF2B5EF4-FFF2-40B4-BE49-F238E27FC236}">
-                <a16:creationId xmlns:a16="http://schemas.microsoft.com/office/drawing/2014/main" id="{54BF036E-00C7-4CAF-8530-99403E4D9D92}"/>
-              </a:ext>
-            </a:extLst>
-          </p:cNvPr>
-          <p:cNvSpPr txBox="1"/>
-          <p:nvPr/>
-        </p:nvSpPr>
-        <p:spPr>
-          <a:xfrm>
-            <a:off x="327469" y="2686139"/>
-            <a:ext cx="2071439" cy="844718"/>
-          </a:xfrm>
-          <a:prstGeom prst="rect">
-            <a:avLst/>
-          </a:prstGeom>
-          <a:noFill/>
-        </p:spPr>
-        <p:txBody>
-          <a:bodyPr wrap="square" rtlCol="0">
-            <a:spAutoFit/>
-          </a:bodyPr>
-          <a:lstStyle/>
-          <a:p>
-            <a:pPr>
-              <a:lnSpc>
-                <a:spcPts val="1800"/>
-              </a:lnSpc>
-            </a:pPr>
-            <a:r>
-              <a:rPr lang="en-US" sz="1200" b="1">
-                <a:hlinkClick r:id="rId2"/>
-              </a:rPr>
-              <a:t>IO-Tools</a:t>
-            </a:r>
-            <a:r>
-              <a:rPr lang="en-US" sz="1200" b="1"/>
-              <a:t> from files</a:t>
-            </a:r>
-          </a:p>
-          <a:p>
-            <a:pPr>
-              <a:lnSpc>
-                <a:spcPts val="1800"/>
-              </a:lnSpc>
-            </a:pPr>
-            <a:r>
-              <a:rPr lang="en-US" sz="1200" b="1"/>
-              <a:t>   </a:t>
-            </a:r>
-            <a:r>
-              <a:rPr lang="en-US" sz="1200"/>
-              <a:t>pd.</a:t>
-            </a:r>
-            <a:r>
-              <a:rPr lang="en-US" sz="1200">
-                <a:hlinkClick r:id="rId27"/>
-              </a:rPr>
-              <a:t>read_csv</a:t>
-            </a:r>
-            <a:r>
-              <a:rPr lang="en-US" sz="1200"/>
-              <a:t>(“filepath”)</a:t>
-            </a:r>
-          </a:p>
-          <a:p>
-            <a:pPr>
-              <a:lnSpc>
-                <a:spcPts val="1800"/>
-              </a:lnSpc>
-              <a:spcBef>
-                <a:spcPts val="600"/>
-              </a:spcBef>
-            </a:pPr>
-            <a:endParaRPr lang="en-US" sz="1200"/>
-          </a:p>
-        </p:txBody>
-      </p:sp>
-      <p:sp>
-        <p:nvSpPr>
           <p:cNvPr id="93" name="TextBox 82">
             <a:extLst>
               <a:ext uri="{FF2B5EF4-FFF2-40B4-BE49-F238E27FC236}">
@@ -13327,8 +13286,8 @@
         </p:nvSpPr>
         <p:spPr>
           <a:xfrm>
-            <a:off x="3855838" y="503112"/>
-            <a:ext cx="4141240" cy="2002728"/>
+            <a:off x="3832910" y="496393"/>
+            <a:ext cx="4141240" cy="1460272"/>
           </a:xfrm>
           <a:prstGeom prst="rect">
             <a:avLst/>
@@ -13348,7 +13307,7 @@
             </a:pPr>
             <a:r>
               <a:rPr lang="en-US" sz="1200" b="1">
-                <a:hlinkClick r:id="rId28"/>
+                <a:hlinkClick r:id="rId27"/>
               </a:rPr>
               <a:t>Display options </a:t>
             </a:r>
@@ -13368,38 +13327,70 @@
               <a:t>   </a:t>
             </a:r>
             <a:r>
-              <a:rPr lang="de-DE" sz="1200">
+              <a:rPr lang="de-DE" sz="1200" b="1">
                 <a:solidFill>
                   <a:srgbClr val="000000"/>
                 </a:solidFill>
                 <a:effectLst/>
+                <a:latin typeface="Consolas" panose="020B0609020204030204" pitchFamily="49" charset="0"/>
               </a:rPr>
               <a:t>pd.</a:t>
             </a:r>
             <a:r>
-              <a:rPr lang="de-DE" sz="1200">
+              <a:rPr lang="de-DE" sz="1200" b="1">
                 <a:solidFill>
                   <a:srgbClr val="000000"/>
                 </a:solidFill>
                 <a:effectLst/>
-                <a:hlinkClick r:id="rId29"/>
+                <a:latin typeface="Consolas" panose="020B0609020204030204" pitchFamily="49" charset="0"/>
+                <a:hlinkClick r:id="rId28"/>
               </a:rPr>
               <a:t>set_option</a:t>
             </a:r>
             <a:r>
-              <a:rPr lang="de-DE" sz="1200">
+              <a:rPr lang="de-DE" sz="1200" b="1">
                 <a:solidFill>
                   <a:srgbClr val="000000"/>
                 </a:solidFill>
                 <a:effectLst/>
+                <a:latin typeface="Consolas" panose="020B0609020204030204" pitchFamily="49" charset="0"/>
               </a:rPr>
               <a:t>(</a:t>
+            </a:r>
+            <a:r>
+              <a:rPr lang="de-DE" sz="1200" i="1">
+                <a:effectLst/>
+                <a:latin typeface="Consolas" panose="020B0609020204030204" pitchFamily="49" charset="0"/>
+              </a:rPr>
+              <a:t>'display.max_rows</a:t>
             </a:r>
             <a:r>
               <a:rPr lang="de-DE" sz="1200">
                 <a:effectLst/>
-              </a:rPr>
-              <a:t>'display.max_rows', 4)   </a:t>
+                <a:latin typeface="Consolas" panose="020B0609020204030204" pitchFamily="49" charset="0"/>
+              </a:rPr>
+              <a:t>', </a:t>
+            </a:r>
+            <a:r>
+              <a:rPr lang="de-DE" sz="1200" i="1">
+                <a:effectLst/>
+                <a:latin typeface="Consolas" panose="020B0609020204030204" pitchFamily="49" charset="0"/>
+              </a:rPr>
+              <a:t>4</a:t>
+            </a:r>
+            <a:r>
+              <a:rPr lang="de-DE" sz="1200" b="1">
+                <a:effectLst/>
+                <a:latin typeface="Consolas" panose="020B0609020204030204" pitchFamily="49" charset="0"/>
+              </a:rPr>
+              <a:t>)</a:t>
+            </a:r>
+            <a:r>
+              <a:rPr lang="de-DE" sz="1200">
+                <a:effectLst/>
+                <a:latin typeface="Consolas" panose="020B0609020204030204" pitchFamily="49" charset="0"/>
+              </a:rPr>
+              <a:t>   </a:t>
             </a:r>
             <a:br>
               <a:rPr lang="de-DE" sz="1200">
@@ -13419,45 +13410,64 @@
               <a:t>   </a:t>
             </a:r>
             <a:r>
-              <a:rPr lang="en-US" sz="1200">
+              <a:rPr lang="en-US" sz="1200" b="1">
                 <a:solidFill>
                   <a:srgbClr val="000000"/>
                 </a:solidFill>
                 <a:effectLst/>
+                <a:latin typeface="Consolas" panose="020B0609020204030204" pitchFamily="49" charset="0"/>
               </a:rPr>
               <a:t>pd.</a:t>
             </a:r>
             <a:r>
-              <a:rPr lang="en-US" sz="1200">
+              <a:rPr lang="en-US" sz="1200" b="1">
                 <a:solidFill>
                   <a:srgbClr val="000000"/>
                 </a:solidFill>
                 <a:effectLst/>
-                <a:hlinkClick r:id="rId29"/>
+                <a:latin typeface="Consolas" panose="020B0609020204030204" pitchFamily="49" charset="0"/>
+                <a:hlinkClick r:id="rId28"/>
               </a:rPr>
               <a:t>set_option</a:t>
             </a:r>
             <a:r>
-              <a:rPr lang="en-US" sz="1200">
+              <a:rPr lang="en-US" sz="1200" b="1">
                 <a:solidFill>
                   <a:srgbClr val="000000"/>
                 </a:solidFill>
                 <a:effectLst/>
+                <a:latin typeface="Consolas" panose="020B0609020204030204" pitchFamily="49" charset="0"/>
               </a:rPr>
               <a:t>(</a:t>
+            </a:r>
+            <a:r>
+              <a:rPr lang="en-US" sz="1200" i="1">
+                <a:effectLst/>
+                <a:latin typeface="Consolas" panose="020B0609020204030204" pitchFamily="49" charset="0"/>
+              </a:rPr>
+              <a:t>'display.max_columns</a:t>
             </a:r>
             <a:r>
               <a:rPr lang="en-US" sz="1200">
                 <a:effectLst/>
-              </a:rPr>
-              <a:t>'display.max_columns', 400</a:t>
-            </a:r>
-            <a:r>
-              <a:rPr lang="en-US" sz="1200">
+                <a:latin typeface="Consolas" panose="020B0609020204030204" pitchFamily="49" charset="0"/>
+              </a:rPr>
+              <a:t>', </a:t>
+            </a:r>
+            <a:r>
+              <a:rPr lang="en-US" sz="1200" i="1">
+                <a:effectLst/>
+                <a:latin typeface="Consolas" panose="020B0609020204030204" pitchFamily="49" charset="0"/>
+              </a:rPr>
+              <a:t>400</a:t>
+            </a:r>
+            <a:r>
+              <a:rPr lang="en-US" sz="1200" b="1">
                 <a:solidFill>
                   <a:srgbClr val="000000"/>
                 </a:solidFill>
                 <a:effectLst/>
+                <a:latin typeface="Consolas" panose="020B0609020204030204" pitchFamily="49" charset="0"/>
               </a:rPr>
               <a:t>)</a:t>
             </a:r>
@@ -13467,6 +13477,7 @@
                   <a:srgbClr val="000000"/>
                 </a:solidFill>
                 <a:effectLst/>
+                <a:latin typeface="Consolas" panose="020B0609020204030204" pitchFamily="49" charset="0"/>
               </a:rPr>
             </a:br>
             <a:r>
@@ -13475,57 +13486,124 @@
                   <a:srgbClr val="000000"/>
                 </a:solidFill>
                 <a:effectLst/>
-              </a:rPr>
-              <a:t>   pd.</a:t>
-            </a:r>
-            <a:r>
-              <a:rPr lang="en-US" sz="1200">
+                <a:latin typeface="Consolas" panose="020B0609020204030204" pitchFamily="49" charset="0"/>
+              </a:rPr>
+              <a:t> </a:t>
+            </a:r>
+            <a:r>
+              <a:rPr lang="en-US" sz="1200" b="1">
                 <a:solidFill>
                   <a:srgbClr val="000000"/>
                 </a:solidFill>
                 <a:effectLst/>
-                <a:hlinkClick r:id="rId30"/>
-              </a:rPr>
-              <a:t>reset_option</a:t>
-            </a:r>
-            <a:r>
-              <a:rPr lang="en-US" sz="1200">
+                <a:latin typeface="Consolas" panose="020B0609020204030204" pitchFamily="49" charset="0"/>
+              </a:rPr>
+              <a:t>pd.</a:t>
+            </a:r>
+            <a:r>
+              <a:rPr lang="en-US" sz="1200" b="1">
                 <a:solidFill>
                   <a:srgbClr val="000000"/>
                 </a:solidFill>
                 <a:effectLst/>
+                <a:latin typeface="Consolas" panose="020B0609020204030204" pitchFamily="49" charset="0"/>
+                <a:hlinkClick r:id="rId29"/>
+              </a:rPr>
+              <a:t>reset_option</a:t>
+            </a:r>
+            <a:r>
+              <a:rPr lang="en-US" sz="1200" b="1">
+                <a:solidFill>
+                  <a:srgbClr val="000000"/>
+                </a:solidFill>
+                <a:effectLst/>
+                <a:latin typeface="Consolas" panose="020B0609020204030204" pitchFamily="49" charset="0"/>
               </a:rPr>
               <a:t>(</a:t>
+            </a:r>
+            <a:r>
+              <a:rPr lang="de-DE" sz="1200" i="1">
+                <a:effectLst/>
+                <a:latin typeface="Consolas" panose="020B0609020204030204" pitchFamily="49" charset="0"/>
+              </a:rPr>
+              <a:t>'display.max_rows</a:t>
             </a:r>
             <a:r>
               <a:rPr lang="de-DE" sz="1200">
                 <a:effectLst/>
-              </a:rPr>
-              <a:t>'display.max_rows‘)</a:t>
+                <a:latin typeface="Consolas" panose="020B0609020204030204" pitchFamily="49" charset="0"/>
+              </a:rPr>
+              <a:t>‘</a:t>
+            </a:r>
+            <a:r>
+              <a:rPr lang="de-DE" sz="1200" b="1">
+                <a:effectLst/>
+                <a:latin typeface="Consolas" panose="020B0609020204030204" pitchFamily="49" charset="0"/>
+              </a:rPr>
+              <a:t>)</a:t>
             </a:r>
             <a:br>
               <a:rPr lang="de-DE" sz="1200">
                 <a:effectLst/>
+                <a:latin typeface="Consolas" panose="020B0609020204030204" pitchFamily="49" charset="0"/>
               </a:rPr>
             </a:br>
             <a:r>
               <a:rPr lang="de-DE" sz="1200">
                 <a:effectLst/>
-              </a:rPr>
-              <a:t>   with pd.</a:t>
+                <a:latin typeface="Consolas" panose="020B0609020204030204" pitchFamily="49" charset="0"/>
+              </a:rPr>
+              <a:t> </a:t>
+            </a:r>
+            <a:r>
+              <a:rPr lang="de-DE" sz="1200" b="1">
+                <a:effectLst/>
+                <a:latin typeface="Consolas" panose="020B0609020204030204" pitchFamily="49" charset="0"/>
+              </a:rPr>
+              <a:t>with pd.</a:t>
+            </a:r>
+            <a:r>
+              <a:rPr lang="de-DE" sz="1200" b="1">
+                <a:effectLst/>
+                <a:latin typeface="Consolas" panose="020B0609020204030204" pitchFamily="49" charset="0"/>
+                <a:hlinkClick r:id="rId30"/>
+              </a:rPr>
+              <a:t>option_context</a:t>
+            </a:r>
+            <a:r>
+              <a:rPr lang="de-DE" sz="1200" b="1">
+                <a:effectLst/>
+                <a:latin typeface="Consolas" panose="020B0609020204030204" pitchFamily="49" charset="0"/>
+              </a:rPr>
+              <a:t>(</a:t>
+            </a:r>
+            <a:r>
+              <a:rPr lang="de-DE" sz="1200" i="1">
+                <a:effectLst/>
+                <a:latin typeface="Consolas" panose="020B0609020204030204" pitchFamily="49" charset="0"/>
+              </a:rPr>
+              <a:t>'display.max_rows</a:t>
             </a:r>
             <a:r>
               <a:rPr lang="de-DE" sz="1200">
                 <a:effectLst/>
-                <a:hlinkClick r:id="rId31"/>
-              </a:rPr>
-              <a:t>option_context</a:t>
-            </a:r>
-            <a:r>
-              <a:rPr lang="de-DE" sz="1200">
+                <a:latin typeface="Consolas" panose="020B0609020204030204" pitchFamily="49" charset="0"/>
+              </a:rPr>
+              <a:t>', </a:t>
+            </a:r>
+            <a:r>
+              <a:rPr lang="de-DE" sz="1200" i="1">
                 <a:effectLst/>
-              </a:rPr>
-              <a:t>(..):</a:t>
+                <a:latin typeface="Consolas" panose="020B0609020204030204" pitchFamily="49" charset="0"/>
+              </a:rPr>
+              <a:t>4</a:t>
+            </a:r>
+            <a:r>
+              <a:rPr lang="de-DE" sz="1200" b="1">
+                <a:effectLst/>
+                <a:latin typeface="Consolas" panose="020B0609020204030204" pitchFamily="49" charset="0"/>
+              </a:rPr>
+              <a:t>):</a:t>
             </a:r>
           </a:p>
           <a:p>
@@ -13536,40 +13614,11 @@
             </a:pPr>
             <a:r>
               <a:rPr lang="de-DE" sz="1200"/>
-              <a:t>       only set options in „with“ codeblock</a:t>
+              <a:t>       only sets options within the „with“ codeblock</a:t>
             </a:r>
             <a:endParaRPr lang="de-DE" sz="1200" b="0">
               <a:effectLst/>
             </a:endParaRPr>
-          </a:p>
-          <a:p>
-            <a:pPr>
-              <a:lnSpc>
-                <a:spcPct val="150000"/>
-              </a:lnSpc>
-            </a:pPr>
-            <a:r>
-              <a:rPr lang="de-DE" sz="1200">
-                <a:solidFill>
-                  <a:srgbClr val="000000"/>
-                </a:solidFill>
-              </a:rPr>
-              <a:t>   </a:t>
-            </a:r>
-            <a:endParaRPr lang="de-DE" sz="1200" b="0">
-              <a:solidFill>
-                <a:srgbClr val="000000"/>
-              </a:solidFill>
-              <a:effectLst/>
-            </a:endParaRPr>
-          </a:p>
-          <a:p>
-            <a:pPr>
-              <a:lnSpc>
-                <a:spcPct val="150000"/>
-              </a:lnSpc>
-            </a:pPr>
-            <a:endParaRPr lang="en-US" sz="1200"/>
           </a:p>
         </p:txBody>
       </p:sp>
@@ -13612,17 +13661,17 @@
             </a:r>
             <a:r>
               <a:rPr lang="de-DE" sz="1200" b="1">
+                <a:hlinkClick r:id="rId31"/>
+              </a:rPr>
+              <a:t>API Reference</a:t>
+            </a:r>
+            <a:r>
+              <a:rPr lang="de-DE" sz="1200" b="1"/>
+              <a:t>               Pandas </a:t>
+            </a:r>
+            <a:r>
+              <a:rPr lang="de-DE" sz="1200" b="1">
                 <a:hlinkClick r:id="rId32"/>
-              </a:rPr>
-              <a:t>API Reference</a:t>
-            </a:r>
-            <a:r>
-              <a:rPr lang="de-DE" sz="1200" b="1"/>
-              <a:t>                Pandas </a:t>
-            </a:r>
-            <a:r>
-              <a:rPr lang="de-DE" sz="1200" b="1">
-                <a:hlinkClick r:id="rId33"/>
               </a:rPr>
               <a:t>User Guide</a:t>
             </a:r>
@@ -13709,8 +13758,8 @@
         </p:nvSpPr>
         <p:spPr>
           <a:xfrm>
-            <a:off x="7502148" y="541867"/>
-            <a:ext cx="2682419" cy="1691104"/>
+            <a:off x="7850695" y="502120"/>
+            <a:ext cx="3691389" cy="1594924"/>
           </a:xfrm>
           <a:prstGeom prst="rect">
             <a:avLst/>
@@ -13730,7 +13779,7 @@
             </a:pPr>
             <a:r>
               <a:rPr lang="en-US" sz="1200" b="1">
-                <a:hlinkClick r:id="rId34"/>
+                <a:hlinkClick r:id="rId33"/>
               </a:rPr>
               <a:t>Visualize Data</a:t>
             </a:r>
@@ -13747,7 +13796,7 @@
             </a:pPr>
             <a:r>
               <a:rPr lang="en-US" sz="1200" b="1">
-                <a:hlinkClick r:id="rId35"/>
+                <a:hlinkClick r:id="rId34"/>
               </a:rPr>
               <a:t>Style options </a:t>
             </a:r>
@@ -13764,7 +13813,7 @@
             </a:r>
             <a:r>
               <a:rPr lang="en-US" sz="1200"/>
-              <a:t>Cell highlight, heatmaps, …</a:t>
+              <a:t>Cell highlighting, heatmapping, …</a:t>
             </a:r>
           </a:p>
           <a:p>
@@ -13775,20 +13824,38 @@
             </a:pPr>
             <a:r>
               <a:rPr lang="en-US" sz="1200" b="1">
-                <a:hlinkClick r:id="rId36"/>
+                <a:latin typeface="Consolas" panose="020B0609020204030204" pitchFamily="49" charset="0"/>
+                <a:hlinkClick r:id="rId35"/>
               </a:rPr>
               <a:t>seaborn.pairplot</a:t>
             </a:r>
             <a:r>
-              <a:rPr lang="en-US" sz="1200" b="1"/>
-              <a:t>(df, hue=‘</a:t>
-            </a:r>
-            <a:r>
-              <a:rPr lang="en-US" sz="1200" i="1"/>
-              <a:t>column</a:t>
-            </a:r>
-            <a:r>
-              <a:rPr lang="en-US" sz="1200" b="1"/>
+              <a:rPr lang="en-US" sz="1200" b="1">
+                <a:latin typeface="Consolas" panose="020B0609020204030204" pitchFamily="49" charset="0"/>
+              </a:rPr>
+              <a:t>(df,</a:t>
+            </a:r>
+            <a:br>
+              <a:rPr lang="en-US" sz="1200" b="1">
+                <a:latin typeface="Consolas" panose="020B0609020204030204" pitchFamily="49" charset="0"/>
+              </a:rPr>
+            </a:br>
+            <a:r>
+              <a:rPr lang="en-US" sz="1200" b="1">
+                <a:latin typeface="Consolas" panose="020B0609020204030204" pitchFamily="49" charset="0"/>
+              </a:rPr>
+              <a:t>  hue=‘</a:t>
+            </a:r>
+            <a:r>
+              <a:rPr lang="en-US" sz="1200" i="1">
+                <a:latin typeface="Consolas" panose="020B0609020204030204" pitchFamily="49" charset="0"/>
+              </a:rPr>
+              <a:t>column_name</a:t>
+            </a:r>
+            <a:r>
+              <a:rPr lang="en-US" sz="1200" b="1">
+                <a:latin typeface="Consolas" panose="020B0609020204030204" pitchFamily="49" charset="0"/>
+              </a:rPr>
               <a:t>’)</a:t>
             </a:r>
           </a:p>
@@ -13804,14 +13871,14 @@
             </a:r>
             <a:r>
               <a:rPr lang="en-US" sz="1200"/>
-              <a:t>Matrix of pairwise relationship</a:t>
+              <a:t>Matrix of pairwise</a:t>
             </a:r>
             <a:br>
               <a:rPr lang="en-US" sz="1200"/>
             </a:br>
             <a:r>
               <a:rPr lang="en-US" sz="1200"/>
-              <a:t>   (for </a:t>
+              <a:t>   relationship (for </a:t>
             </a:r>
             <a:r>
               <a:rPr lang="en-US" sz="1200" u="sng"/>
@@ -13821,17 +13888,6 @@
               <a:rPr lang="en-US" sz="1200"/>
               <a:t>)</a:t>
             </a:r>
-          </a:p>
-          <a:p>
-            <a:pPr>
-              <a:lnSpc>
-                <a:spcPts val="1800"/>
-              </a:lnSpc>
-              <a:spcBef>
-                <a:spcPts val="600"/>
-              </a:spcBef>
-            </a:pPr>
-            <a:endParaRPr lang="en-US" sz="1200"/>
           </a:p>
         </p:txBody>
       </p:sp>
@@ -13872,7 +13928,7 @@
             <a:r>
               <a:rPr lang="en-US" sz="1200" b="1" dirty="0" err="1">
                 <a:latin typeface="Consolas" panose="020B0609020204030204" pitchFamily="49" charset="0"/>
-                <a:hlinkClick r:id="rId37"/>
+                <a:hlinkClick r:id="rId36"/>
               </a:rPr>
               <a:t>plot</a:t>
             </a:r>
@@ -13911,7 +13967,7 @@
             <a:r>
               <a:rPr lang="en-US" sz="1200" b="1">
                 <a:latin typeface="Consolas" panose="020B0609020204030204" pitchFamily="49" charset="0"/>
-                <a:hlinkClick r:id="rId37"/>
+                <a:hlinkClick r:id="rId36"/>
               </a:rPr>
               <a:t>plot</a:t>
             </a:r>
@@ -13939,7 +13995,7 @@
             <a:r>
               <a:rPr lang="en-US" sz="1200" b="1">
                 <a:latin typeface="Consolas" panose="020B0609020204030204" pitchFamily="49" charset="0"/>
-                <a:hlinkClick r:id="rId38"/>
+                <a:hlinkClick r:id="rId37"/>
               </a:rPr>
               <a:t>plotting.scatter_matrix</a:t>
             </a:r>
@@ -14001,7 +14057,7 @@
           <p:nvPr/>
         </p:nvPicPr>
         <p:blipFill>
-          <a:blip r:embed="rId39"/>
+          <a:blip r:embed="rId38"/>
           <a:stretch>
             <a:fillRect/>
           </a:stretch>
@@ -14031,7 +14087,7 @@
           <p:nvPr/>
         </p:nvPicPr>
         <p:blipFill>
-          <a:blip r:embed="rId40"/>
+          <a:blip r:embed="rId39"/>
           <a:stretch>
             <a:fillRect/>
           </a:stretch>
@@ -14061,7 +14117,7 @@
           <p:nvPr/>
         </p:nvPicPr>
         <p:blipFill>
-          <a:blip r:embed="rId41"/>
+          <a:blip r:embed="rId40"/>
           <a:stretch>
             <a:fillRect/>
           </a:stretch>
@@ -14091,14 +14147,14 @@
           <p:nvPr/>
         </p:nvPicPr>
         <p:blipFill>
-          <a:blip r:embed="rId42"/>
+          <a:blip r:embed="rId41"/>
           <a:stretch>
             <a:fillRect/>
           </a:stretch>
         </p:blipFill>
         <p:spPr>
           <a:xfrm>
-            <a:off x="9854017" y="1342139"/>
+            <a:off x="9879319" y="1288770"/>
             <a:ext cx="630692" cy="577128"/>
           </a:xfrm>
           <a:prstGeom prst="rect">
@@ -14140,85 +14196,85 @@
             </a:r>
             <a:r>
               <a:rPr lang="en-US" sz="800">
-                <a:hlinkClick r:id="rId43"/>
+                <a:hlinkClick r:id="rId42"/>
               </a:rPr>
               <a:t>http</a:t>
             </a:r>
             <a:r>
               <a:rPr lang="en-US" sz="800" dirty="0">
-                <a:hlinkClick r:id="rId43"/>
+                <a:hlinkClick r:id="rId42"/>
               </a:rPr>
               <a:t>://pandas.pydata.org</a:t>
+            </a:r>
+            <a:r>
+              <a:rPr lang="en-US" sz="800">
+                <a:hlinkClick r:id="rId42"/>
+              </a:rPr>
+              <a:t>/</a:t>
+            </a:r>
+            <a:r>
+              <a:rPr lang="en-US" sz="800"/>
+              <a:t> ) based on the </a:t>
             </a:r>
             <a:r>
               <a:rPr lang="en-US" sz="800">
                 <a:hlinkClick r:id="rId43"/>
               </a:rPr>
-              <a:t>/</a:t>
+              <a:t>official cheatsheet</a:t>
             </a:r>
             <a:r>
               <a:rPr lang="en-US" sz="800"/>
-              <a:t> ) based on the </a:t>
+              <a:t> which itself was inspired </a:t>
+            </a:r>
+            <a:r>
+              <a:rPr lang="en-US" sz="800" dirty="0"/>
+              <a:t>by </a:t>
+            </a:r>
+            <a:r>
+              <a:rPr lang="en-US" sz="800" dirty="0" err="1">
+                <a:hlinkClick r:id="rId44"/>
+              </a:rPr>
+              <a:t>Rstudio</a:t>
+            </a:r>
+            <a:r>
+              <a:rPr lang="en-US" sz="800" dirty="0">
+                <a:hlinkClick r:id="rId44"/>
+              </a:rPr>
+              <a:t> Data Wrangling </a:t>
+            </a:r>
+            <a:r>
+              <a:rPr lang="en-US" sz="800" err="1">
+                <a:hlinkClick r:id="rId44"/>
+              </a:rPr>
+              <a:t>Cheatsheet</a:t>
             </a:r>
             <a:r>
               <a:rPr lang="en-US" sz="800">
                 <a:hlinkClick r:id="rId44"/>
               </a:rPr>
-              <a:t>official cheatsheet</a:t>
+              <a:t> </a:t>
             </a:r>
             <a:r>
               <a:rPr lang="en-US" sz="800"/>
-              <a:t> which itself was inspired </a:t>
+              <a:t>Written </a:t>
             </a:r>
             <a:r>
               <a:rPr lang="en-US" sz="800" dirty="0"/>
-              <a:t>by </a:t>
-            </a:r>
-            <a:r>
-              <a:rPr lang="en-US" sz="800" dirty="0" err="1">
-                <a:hlinkClick r:id="rId45"/>
-              </a:rPr>
-              <a:t>Rstudio</a:t>
-            </a:r>
-            <a:r>
-              <a:rPr lang="en-US" sz="800" dirty="0">
-                <a:hlinkClick r:id="rId45"/>
-              </a:rPr>
-              <a:t> Data Wrangling </a:t>
-            </a:r>
-            <a:r>
-              <a:rPr lang="en-US" sz="800" err="1">
-                <a:hlinkClick r:id="rId45"/>
-              </a:rPr>
-              <a:t>Cheatsheet</a:t>
+              <a:t>by Irv Lustig, </a:t>
             </a:r>
             <a:r>
               <a:rPr lang="en-US" sz="800">
                 <a:hlinkClick r:id="rId45"/>
               </a:rPr>
-              <a:t> </a:t>
+              <a:t>Princeton Consultants</a:t>
             </a:r>
             <a:r>
               <a:rPr lang="en-US" sz="800"/>
-              <a:t>Written </a:t>
-            </a:r>
-            <a:r>
-              <a:rPr lang="en-US" sz="800" dirty="0"/>
-              <a:t>by Irv Lustig, </a:t>
+              <a:t>. Source: </a:t>
             </a:r>
             <a:r>
               <a:rPr lang="en-US" sz="800">
                 <a:hlinkClick r:id="rId46"/>
-              </a:rPr>
-              <a:t>Princeton Consultants</a:t>
-            </a:r>
-            <a:r>
-              <a:rPr lang="en-US" sz="800"/>
-              <a:t>. Source: </a:t>
-            </a:r>
-            <a:r>
-              <a:rPr lang="en-US" sz="800">
-                <a:hlinkClick r:id="rId47"/>
               </a:rPr>
               <a:t>https://github.com/OliEfr</a:t>
             </a:r>
@@ -14688,9 +14744,21 @@
           </a:p>
           <a:p>
             <a:r>
-              <a:rPr lang="en-US" sz="1200" b="1"/>
-              <a:t>df.shape</a:t>
-            </a:r>
+              <a:rPr lang="en-US" sz="1200" b="1">
+                <a:latin typeface="Consolas" panose="020B0609020204030204" pitchFamily="49" charset="0"/>
+              </a:rPr>
+              <a:t>df.</a:t>
+            </a:r>
+            <a:r>
+              <a:rPr lang="en-US" sz="1200" b="1">
+                <a:latin typeface="Consolas" panose="020B0609020204030204" pitchFamily="49" charset="0"/>
+                <a:hlinkClick r:id="rId7"/>
+              </a:rPr>
+              <a:t>shape</a:t>
+            </a:r>
+            <a:endParaRPr lang="en-US" sz="1200" b="1">
+              <a:latin typeface="Consolas" panose="020B0609020204030204" pitchFamily="49" charset="0"/>
+            </a:endParaRPr>
           </a:p>
           <a:p>
             <a:pPr marL="177800"/>
@@ -15298,7 +15366,9 @@
               <a:t>pandas provides a large set of </a:t>
             </a:r>
             <a:r>
-              <a:rPr lang="en-US" sz="1200" b="1" dirty="0"/>
+              <a:rPr lang="en-US" sz="1200" b="1" dirty="0">
+                <a:hlinkClick r:id="rId2"/>
+              </a:rPr>
               <a:t>summary functions</a:t>
             </a:r>
             <a:r>
@@ -15357,7 +15427,7 @@
             <a:r>
               <a:rPr lang="en-US" sz="1200" b="1" dirty="0">
                 <a:latin typeface="Consolas" panose="020B0609020204030204" pitchFamily="49" charset="0"/>
-                <a:hlinkClick r:id="rId7"/>
+                <a:hlinkClick r:id="rId8"/>
               </a:rPr>
               <a:t>sum</a:t>
             </a:r>
@@ -15379,7 +15449,7 @@
             <a:r>
               <a:rPr lang="en-US" sz="1200" b="1" dirty="0">
                 <a:latin typeface="Consolas" panose="020B0609020204030204" pitchFamily="49" charset="0"/>
-                <a:hlinkClick r:id="rId8"/>
+                <a:hlinkClick r:id="rId9"/>
               </a:rPr>
               <a:t>count</a:t>
             </a:r>
@@ -15401,7 +15471,7 @@
             <a:r>
               <a:rPr lang="en-US" sz="1200" b="1" dirty="0">
                 <a:latin typeface="Consolas" panose="020B0609020204030204" pitchFamily="49" charset="0"/>
-                <a:hlinkClick r:id="rId9"/>
+                <a:hlinkClick r:id="rId10"/>
               </a:rPr>
               <a:t>median</a:t>
             </a:r>
@@ -15423,7 +15493,7 @@
             <a:r>
               <a:rPr lang="en-US" sz="1200" b="1" dirty="0">
                 <a:latin typeface="Consolas" panose="020B0609020204030204" pitchFamily="49" charset="0"/>
-                <a:hlinkClick r:id="rId10"/>
+                <a:hlinkClick r:id="rId11"/>
               </a:rPr>
               <a:t>quantile</a:t>
             </a:r>
@@ -15445,7 +15515,7 @@
             <a:r>
               <a:rPr lang="en-US" sz="1200" b="1" dirty="0">
                 <a:latin typeface="Consolas" panose="020B0609020204030204" pitchFamily="49" charset="0"/>
-                <a:hlinkClick r:id="rId11"/>
+                <a:hlinkClick r:id="rId12"/>
               </a:rPr>
               <a:t>apply</a:t>
             </a:r>
@@ -15456,7 +15526,7 @@
               <a:t>(</a:t>
             </a:r>
             <a:r>
-              <a:rPr lang="en-US" sz="1200" b="1" i="1" dirty="0">
+              <a:rPr lang="en-US" sz="1200" i="1" dirty="0">
                 <a:latin typeface="Consolas" panose="020B0609020204030204" pitchFamily="49" charset="0"/>
               </a:rPr>
               <a:t>function</a:t>
@@ -15502,7 +15572,7 @@
             <a:r>
               <a:rPr lang="en-US" sz="1200" b="1" dirty="0">
                 <a:latin typeface="Consolas" panose="020B0609020204030204" pitchFamily="49" charset="0"/>
-                <a:hlinkClick r:id="rId12"/>
+                <a:hlinkClick r:id="rId13"/>
               </a:rPr>
               <a:t>min</a:t>
             </a:r>
@@ -15524,7 +15594,7 @@
             <a:r>
               <a:rPr lang="en-US" sz="1200" b="1" dirty="0">
                 <a:latin typeface="Consolas" panose="020B0609020204030204" pitchFamily="49" charset="0"/>
-                <a:hlinkClick r:id="rId13"/>
+                <a:hlinkClick r:id="rId14"/>
               </a:rPr>
               <a:t>max</a:t>
             </a:r>
@@ -15546,7 +15616,7 @@
             <a:r>
               <a:rPr lang="en-US" sz="1200" b="1" dirty="0">
                 <a:latin typeface="Consolas" panose="020B0609020204030204" pitchFamily="49" charset="0"/>
-                <a:hlinkClick r:id="rId14"/>
+                <a:hlinkClick r:id="rId15"/>
               </a:rPr>
               <a:t>mean</a:t>
             </a:r>
@@ -15568,7 +15638,7 @@
             <a:r>
               <a:rPr lang="en-US" sz="1200" b="1" dirty="0" err="1">
                 <a:latin typeface="Consolas" panose="020B0609020204030204" pitchFamily="49" charset="0"/>
-                <a:hlinkClick r:id="rId15"/>
+                <a:hlinkClick r:id="rId16"/>
               </a:rPr>
               <a:t>var</a:t>
             </a:r>
@@ -15590,7 +15660,7 @@
             <a:r>
               <a:rPr lang="en-US" sz="1200" b="1" dirty="0" err="1">
                 <a:latin typeface="Consolas" panose="020B0609020204030204" pitchFamily="49" charset="0"/>
-                <a:hlinkClick r:id="rId16"/>
+                <a:hlinkClick r:id="rId17"/>
               </a:rPr>
               <a:t>std</a:t>
             </a:r>
@@ -16600,7 +16670,7 @@
             <a:r>
               <a:rPr lang="en-US" sz="1200" b="1" dirty="0" err="1">
                 <a:latin typeface="Consolas" panose="020B0609020204030204" pitchFamily="49" charset="0"/>
-                <a:hlinkClick r:id="rId17"/>
+                <a:hlinkClick r:id="rId18"/>
               </a:rPr>
               <a:t>assign</a:t>
             </a:r>
@@ -16719,7 +16789,7 @@
             <a:r>
               <a:rPr lang="en-US" sz="1200" b="1" dirty="0" err="1">
                 <a:latin typeface="Consolas" panose="020B0609020204030204" pitchFamily="49" charset="0"/>
-                <a:hlinkClick r:id="rId18"/>
+                <a:hlinkClick r:id="rId19"/>
               </a:rPr>
               <a:t>qcut</a:t>
             </a:r>
@@ -18062,7 +18132,7 @@
         </p:nvSpPr>
         <p:spPr>
           <a:xfrm>
-            <a:off x="4675804" y="7185163"/>
+            <a:off x="4675804" y="7166113"/>
             <a:ext cx="2682419" cy="1938992"/>
           </a:xfrm>
           <a:prstGeom prst="rect">
@@ -18079,7 +18149,7 @@
             <a:r>
               <a:rPr lang="en-US" sz="1200" b="1" dirty="0">
                 <a:latin typeface="Consolas" panose="020B0609020204030204" pitchFamily="49" charset="0"/>
-                <a:hlinkClick r:id="rId19"/>
+                <a:hlinkClick r:id="rId20"/>
               </a:rPr>
               <a:t>shift</a:t>
             </a:r>
@@ -18101,7 +18171,7 @@
             <a:r>
               <a:rPr lang="en-US" sz="1200" b="1" dirty="0">
                 <a:latin typeface="Consolas" panose="020B0609020204030204" pitchFamily="49" charset="0"/>
-                <a:hlinkClick r:id="rId20"/>
+                <a:hlinkClick r:id="rId21"/>
               </a:rPr>
               <a:t>rank</a:t>
             </a:r>
@@ -18123,7 +18193,7 @@
             <a:r>
               <a:rPr lang="en-US" sz="1200" b="1" dirty="0">
                 <a:latin typeface="Consolas" panose="020B0609020204030204" pitchFamily="49" charset="0"/>
-                <a:hlinkClick r:id="rId20"/>
+                <a:hlinkClick r:id="rId21"/>
               </a:rPr>
               <a:t>rank</a:t>
             </a:r>
@@ -18145,7 +18215,7 @@
             <a:r>
               <a:rPr lang="en-US" sz="1200" b="1" dirty="0">
                 <a:latin typeface="Consolas" panose="020B0609020204030204" pitchFamily="49" charset="0"/>
-                <a:hlinkClick r:id="rId20"/>
+                <a:hlinkClick r:id="rId21"/>
               </a:rPr>
               <a:t>rank</a:t>
             </a:r>
@@ -18179,7 +18249,7 @@
             <a:r>
               <a:rPr lang="en-US" sz="1200" b="1" dirty="0">
                 <a:latin typeface="Consolas" panose="020B0609020204030204" pitchFamily="49" charset="0"/>
-                <a:hlinkClick r:id="rId20"/>
+                <a:hlinkClick r:id="rId21"/>
               </a:rPr>
               <a:t>rank</a:t>
             </a:r>
@@ -18224,7 +18294,7 @@
             <a:r>
               <a:rPr lang="en-US" sz="1200" b="1" dirty="0">
                 <a:latin typeface="Consolas" panose="020B0609020204030204" pitchFamily="49" charset="0"/>
-                <a:hlinkClick r:id="rId19"/>
+                <a:hlinkClick r:id="rId20"/>
               </a:rPr>
               <a:t>shift</a:t>
             </a:r>
@@ -18249,7 +18319,7 @@
             <a:r>
               <a:rPr lang="en-US" sz="1200" b="1" dirty="0" err="1">
                 <a:latin typeface="Consolas" panose="020B0609020204030204" pitchFamily="49" charset="0"/>
-                <a:hlinkClick r:id="rId21"/>
+                <a:hlinkClick r:id="rId22"/>
               </a:rPr>
               <a:t>cumsum</a:t>
             </a:r>
@@ -18271,7 +18341,7 @@
             <a:r>
               <a:rPr lang="en-US" sz="1200" b="1" dirty="0" err="1">
                 <a:latin typeface="Consolas" panose="020B0609020204030204" pitchFamily="49" charset="0"/>
-                <a:hlinkClick r:id="rId22"/>
+                <a:hlinkClick r:id="rId23"/>
               </a:rPr>
               <a:t>cummax</a:t>
             </a:r>
@@ -18293,7 +18363,7 @@
             <a:r>
               <a:rPr lang="en-US" sz="1200" b="1" dirty="0" err="1">
                 <a:latin typeface="Consolas" panose="020B0609020204030204" pitchFamily="49" charset="0"/>
-                <a:hlinkClick r:id="rId23"/>
+                <a:hlinkClick r:id="rId24"/>
               </a:rPr>
               <a:t>cummin</a:t>
             </a:r>
@@ -18315,7 +18385,7 @@
             <a:r>
               <a:rPr lang="en-US" sz="1200" b="1" dirty="0" err="1">
                 <a:latin typeface="Consolas" panose="020B0609020204030204" pitchFamily="49" charset="0"/>
-                <a:hlinkClick r:id="rId24"/>
+                <a:hlinkClick r:id="rId25"/>
               </a:rPr>
               <a:t>cumprod</a:t>
             </a:r>
@@ -20379,7 +20449,7 @@
             <a:r>
               <a:rPr lang="en-US" sz="1200" b="1" dirty="0" err="1">
                 <a:latin typeface="Consolas" panose="020B0609020204030204" pitchFamily="49" charset="0"/>
-                <a:hlinkClick r:id="rId25"/>
+                <a:hlinkClick r:id="rId26"/>
               </a:rPr>
               <a:t>merge</a:t>
             </a:r>
@@ -20465,7 +20535,7 @@
             <a:r>
               <a:rPr lang="en-US" sz="1200" b="1" dirty="0" err="1">
                 <a:latin typeface="Consolas" panose="020B0609020204030204" pitchFamily="49" charset="0"/>
-                <a:hlinkClick r:id="rId25"/>
+                <a:hlinkClick r:id="rId26"/>
               </a:rPr>
               <a:t>merge</a:t>
             </a:r>
@@ -20547,7 +20617,7 @@
             <a:r>
               <a:rPr lang="en-US" sz="1200" b="1" dirty="0" err="1">
                 <a:latin typeface="Consolas" panose="020B0609020204030204" pitchFamily="49" charset="0"/>
-                <a:hlinkClick r:id="rId25"/>
+                <a:hlinkClick r:id="rId26"/>
               </a:rPr>
               <a:t>merge</a:t>
             </a:r>
@@ -20610,7 +20680,7 @@
             <a:r>
               <a:rPr lang="en-US" sz="1200" b="1" dirty="0" err="1">
                 <a:latin typeface="Consolas" panose="020B0609020204030204" pitchFamily="49" charset="0"/>
-                <a:hlinkClick r:id="rId25"/>
+                <a:hlinkClick r:id="rId26"/>
               </a:rPr>
               <a:t>merge</a:t>
             </a:r>
@@ -21089,7 +21159,7 @@
             <a:r>
               <a:rPr lang="en-US" sz="1200" b="1" dirty="0">
                 <a:latin typeface="Consolas" panose="020B0609020204030204" pitchFamily="49" charset="0"/>
-                <a:hlinkClick r:id="rId26"/>
+                <a:hlinkClick r:id="rId27"/>
               </a:rPr>
               <a:t>isin</a:t>
             </a:r>
@@ -21149,7 +21219,7 @@
             <a:r>
               <a:rPr lang="en-US" sz="1200" b="1" dirty="0">
                 <a:latin typeface="Consolas" panose="020B0609020204030204" pitchFamily="49" charset="0"/>
-                <a:hlinkClick r:id="rId26"/>
+                <a:hlinkClick r:id="rId27"/>
               </a:rPr>
               <a:t>isin</a:t>
             </a:r>
@@ -22584,7 +22654,7 @@
             <a:r>
               <a:rPr lang="en-US" sz="1200" b="1" dirty="0" err="1">
                 <a:latin typeface="Consolas" panose="020B0609020204030204" pitchFamily="49" charset="0"/>
-                <a:hlinkClick r:id="rId25"/>
+                <a:hlinkClick r:id="rId26"/>
               </a:rPr>
               <a:t>merge</a:t>
             </a:r>
@@ -22660,7 +22730,7 @@
             <a:r>
               <a:rPr lang="en-US" sz="1200" b="1" dirty="0" err="1">
                 <a:latin typeface="Consolas" panose="020B0609020204030204" pitchFamily="49" charset="0"/>
-                <a:hlinkClick r:id="rId25"/>
+                <a:hlinkClick r:id="rId26"/>
               </a:rPr>
               <a:t>merge</a:t>
             </a:r>
@@ -22735,7 +22805,7 @@
             <a:r>
               <a:rPr lang="en-US" sz="1200" b="1" dirty="0" err="1">
                 <a:latin typeface="Consolas" panose="020B0609020204030204" pitchFamily="49" charset="0"/>
-                <a:hlinkClick r:id="rId25"/>
+                <a:hlinkClick r:id="rId26"/>
               </a:rPr>
               <a:t>merge</a:t>
             </a:r>
@@ -22788,7 +22858,7 @@
             <a:r>
               <a:rPr lang="en-US" sz="1200" b="1" dirty="0">
                 <a:latin typeface="Consolas" panose="020B0609020204030204" pitchFamily="49" charset="0"/>
-                <a:hlinkClick r:id="rId27"/>
+                <a:hlinkClick r:id="rId28"/>
               </a:rPr>
               <a:t>query</a:t>
             </a:r>
@@ -22821,7 +22891,7 @@
             <a:r>
               <a:rPr lang="en-US" sz="1200" b="1" dirty="0">
                 <a:latin typeface="Consolas" panose="020B0609020204030204" pitchFamily="49" charset="0"/>
-                <a:hlinkClick r:id="rId28"/>
+                <a:hlinkClick r:id="rId29"/>
               </a:rPr>
               <a:t>drop</a:t>
             </a:r>
@@ -22906,7 +22976,7 @@
                 <a:solidFill>
                   <a:schemeClr val="bg1"/>
                 </a:solidFill>
-                <a:hlinkClick r:id="rId29">
+                <a:hlinkClick r:id="rId30">
                   <a:extLst>
                     <a:ext uri="{A12FA001-AC4F-418D-AE19-62706E023703}">
                       <ahyp:hlinkClr xmlns:ahyp="http://schemas.microsoft.com/office/drawing/2018/hyperlinkcolor" val="tx"/>
@@ -23788,8 +23858,8 @@
         </p:nvSpPr>
         <p:spPr>
           <a:xfrm>
-            <a:off x="2244754" y="6568594"/>
-            <a:ext cx="2303021" cy="1754326"/>
+            <a:off x="2244755" y="6568594"/>
+            <a:ext cx="2479226" cy="1754326"/>
           </a:xfrm>
           <a:prstGeom prst="rect">
             <a:avLst/>
@@ -23811,7 +23881,7 @@
             <a:r>
               <a:rPr lang="en-US" sz="1200" b="1" dirty="0" err="1">
                 <a:latin typeface="Consolas" panose="020B0609020204030204" pitchFamily="49" charset="0"/>
-                <a:hlinkClick r:id="rId30"/>
+                <a:hlinkClick r:id="rId31"/>
               </a:rPr>
               <a:t>groupby</a:t>
             </a:r>
@@ -23819,8 +23889,23 @@
               <a:rPr lang="en-US" sz="1200" b="1" dirty="0">
                 <a:latin typeface="Consolas" panose="020B0609020204030204" pitchFamily="49" charset="0"/>
               </a:rPr>
-              <a:t>(by="col")</a:t>
-            </a:r>
+              <a:t>(</a:t>
+            </a:r>
+            <a:r>
+              <a:rPr lang="en-US" sz="1200" b="1">
+                <a:latin typeface="Consolas" panose="020B0609020204030204" pitchFamily="49" charset="0"/>
+              </a:rPr>
+              <a:t>by="col“)</a:t>
+            </a:r>
+            <a:r>
+              <a:rPr lang="en-US" sz="1200" i="1">
+                <a:latin typeface="Consolas" panose="020B0609020204030204" pitchFamily="49" charset="0"/>
+              </a:rPr>
+              <a:t>.max()</a:t>
+            </a:r>
+            <a:endParaRPr lang="en-US" sz="1200" i="1" dirty="0">
+              <a:latin typeface="Consolas" panose="020B0609020204030204" pitchFamily="49" charset="0"/>
+            </a:endParaRPr>
           </a:p>
           <a:p>
             <a:pPr marL="111125"/>
@@ -23854,7 +23939,7 @@
             <a:r>
               <a:rPr lang="en-US" sz="1200" b="1" dirty="0" err="1">
                 <a:latin typeface="Consolas" panose="020B0609020204030204" pitchFamily="49" charset="0"/>
-                <a:hlinkClick r:id="rId30"/>
+                <a:hlinkClick r:id="rId31"/>
               </a:rPr>
               <a:t>groupby</a:t>
             </a:r>
@@ -23865,17 +23950,37 @@
               <a:t>(level="</a:t>
             </a:r>
             <a:r>
-              <a:rPr lang="en-US" sz="1200" b="1" dirty="0" err="1">
+              <a:rPr lang="en-US" sz="1200" b="1" err="1">
                 <a:latin typeface="Consolas" panose="020B0609020204030204" pitchFamily="49" charset="0"/>
               </a:rPr>
               <a:t>ind</a:t>
             </a:r>
             <a:r>
-              <a:rPr lang="en-US" sz="1200" b="1" dirty="0">
+              <a:rPr lang="en-US" sz="1200" b="1">
                 <a:latin typeface="Consolas" panose="020B0609020204030204" pitchFamily="49" charset="0"/>
               </a:rPr>
               <a:t>")</a:t>
             </a:r>
+            <a:br>
+              <a:rPr lang="en-US" sz="1200" b="1">
+                <a:latin typeface="Consolas" panose="020B0609020204030204" pitchFamily="49" charset="0"/>
+              </a:rPr>
+            </a:br>
+            <a:r>
+              <a:rPr lang="en-US" sz="1200" b="1">
+                <a:latin typeface="Consolas" panose="020B0609020204030204" pitchFamily="49" charset="0"/>
+              </a:rPr>
+              <a:t> </a:t>
+            </a:r>
+            <a:r>
+              <a:rPr lang="en-US" sz="1200" i="1">
+                <a:latin typeface="Consolas" panose="020B0609020204030204" pitchFamily="49" charset="0"/>
+              </a:rPr>
+              <a:t>.mean()</a:t>
+            </a:r>
+            <a:endParaRPr lang="en-US" sz="1200" i="1" dirty="0">
+              <a:latin typeface="Consolas" panose="020B0609020204030204" pitchFamily="49" charset="0"/>
+            </a:endParaRPr>
           </a:p>
           <a:p>
             <a:pPr marL="111125"/>
@@ -23911,7 +24016,7 @@
                   </a:schemeClr>
                 </a:solidFill>
               </a:rPr>
-              <a:t>Call </a:t>
+              <a:t>Possible use </a:t>
             </a:r>
             <a:r>
               <a:rPr lang="en-US" sz="1200" b="1" i="1">
@@ -23921,7 +24026,7 @@
                     <a:lumOff val="50000"/>
                   </a:schemeClr>
                 </a:solidFill>
-                <a:hlinkClick r:id="rId31"/>
+                <a:hlinkClick r:id="rId32"/>
               </a:rPr>
               <a:t>.reset_index</a:t>
             </a:r>
@@ -23945,27 +24050,8 @@
                   </a:schemeClr>
                 </a:solidFill>
               </a:rPr>
-              <a:t>after grouping</a:t>
-            </a:r>
-            <a:r>
-              <a:rPr lang="en-US" sz="1200" i="1" dirty="0">
-                <a:solidFill>
-                  <a:schemeClr val="tx1">
-                    <a:lumMod val="50000"/>
-                    <a:lumOff val="50000"/>
-                  </a:schemeClr>
-                </a:solidFill>
-              </a:rPr>
-              <a:t>!</a:t>
-            </a:r>
-            <a:endParaRPr lang="en-US" sz="1200" i="1">
-              <a:solidFill>
-                <a:schemeClr val="tx1">
-                  <a:lumMod val="50000"/>
-                  <a:lumOff val="50000"/>
-                </a:schemeClr>
-              </a:solidFill>
-            </a:endParaRPr>
+              <a:t>after!</a:t>
+            </a:r>
           </a:p>
         </p:txBody>
       </p:sp>
@@ -23993,7 +24079,15 @@
           <a:p>
             <a:r>
               <a:rPr lang="en-US" sz="1200" dirty="0"/>
-              <a:t>All of the summary functions listed above can be applied to a group. Additional </a:t>
+              <a:t>All of the summary functions </a:t>
+            </a:r>
+            <a:r>
+              <a:rPr lang="en-US" sz="1200"/>
+              <a:t>listed above can be </a:t>
+            </a:r>
+            <a:r>
+              <a:rPr lang="en-US" sz="1200" dirty="0"/>
+              <a:t>applied to a group. Additional </a:t>
             </a:r>
             <a:r>
               <a:rPr lang="en-US" sz="1200" dirty="0" err="1"/>
@@ -24031,7 +24125,7 @@
             <a:r>
               <a:rPr lang="en-US" sz="1200" b="1" dirty="0">
                 <a:latin typeface="Consolas" panose="020B0609020204030204" pitchFamily="49" charset="0"/>
-                <a:hlinkClick r:id="rId13"/>
+                <a:hlinkClick r:id="rId14"/>
               </a:rPr>
               <a:t>max</a:t>
             </a:r>
@@ -24053,7 +24147,7 @@
             <a:r>
               <a:rPr lang="en-US" sz="1200" b="1" dirty="0">
                 <a:latin typeface="Consolas" panose="020B0609020204030204" pitchFamily="49" charset="0"/>
-                <a:hlinkClick r:id="rId32"/>
+                <a:hlinkClick r:id="rId33"/>
               </a:rPr>
               <a:t>clip</a:t>
             </a:r>
@@ -24098,7 +24192,7 @@
             <a:r>
               <a:rPr lang="en-US" sz="1200" b="1" dirty="0">
                 <a:latin typeface="Consolas" panose="020B0609020204030204" pitchFamily="49" charset="0"/>
-                <a:hlinkClick r:id="rId12"/>
+                <a:hlinkClick r:id="rId13"/>
               </a:rPr>
               <a:t>min</a:t>
             </a:r>
@@ -24120,7 +24214,7 @@
             <a:r>
               <a:rPr lang="en-US" sz="1200" b="1" dirty="0">
                 <a:latin typeface="Consolas" panose="020B0609020204030204" pitchFamily="49" charset="0"/>
-                <a:hlinkClick r:id="rId33"/>
+                <a:hlinkClick r:id="rId34"/>
               </a:rPr>
               <a:t>abs</a:t>
             </a:r>
@@ -24218,7 +24312,7 @@
                 <a:solidFill>
                   <a:schemeClr val="bg1"/>
                 </a:solidFill>
-                <a:hlinkClick r:id="rId34">
+                <a:hlinkClick r:id="rId35">
                   <a:extLst>
                     <a:ext uri="{A12FA001-AC4F-418D-AE19-62706E023703}">
                       <ahyp:hlinkClr xmlns:ahyp="http://schemas.microsoft.com/office/drawing/2018/hyperlinkcolor" val="tx"/>
@@ -24267,7 +24361,7 @@
             <a:r>
               <a:rPr lang="en-US" sz="1200" b="1" dirty="0" err="1">
                 <a:latin typeface="Consolas" panose="020B0609020204030204" pitchFamily="49" charset="0"/>
-                <a:hlinkClick r:id="rId35"/>
+                <a:hlinkClick r:id="rId36"/>
               </a:rPr>
               <a:t>expanding</a:t>
             </a:r>
@@ -24298,7 +24392,7 @@
             <a:r>
               <a:rPr lang="en-US" sz="1200" b="1" dirty="0" err="1">
                 <a:latin typeface="Consolas" panose="020B0609020204030204" pitchFamily="49" charset="0"/>
-                <a:hlinkClick r:id="rId36"/>
+                <a:hlinkClick r:id="rId37"/>
               </a:rPr>
               <a:t>rolling</a:t>
             </a:r>
@@ -24343,7 +24437,7 @@
             <a:r>
               <a:rPr lang="en-US" sz="1200" b="1" dirty="0">
                 <a:latin typeface="Consolas" panose="020B0609020204030204" pitchFamily="49" charset="0"/>
-                <a:hlinkClick r:id="rId37"/>
+                <a:hlinkClick r:id="rId38"/>
               </a:rPr>
               <a:t>size</a:t>
             </a:r>
@@ -24388,7 +24482,7 @@
             <a:r>
               <a:rPr lang="en-US" sz="1200" b="1" dirty="0" err="1">
                 <a:latin typeface="Consolas" panose="020B0609020204030204" pitchFamily="49" charset="0"/>
-                <a:hlinkClick r:id="rId38"/>
+                <a:hlinkClick r:id="rId39"/>
               </a:rPr>
               <a:t>agg</a:t>
             </a:r>
@@ -24399,7 +24493,7 @@
               <a:t>(</a:t>
             </a:r>
             <a:r>
-              <a:rPr lang="en-US" sz="1200" b="1" i="1" dirty="0">
+              <a:rPr lang="en-US" sz="1200" i="1" dirty="0">
                 <a:latin typeface="Consolas" panose="020B0609020204030204" pitchFamily="49" charset="0"/>
               </a:rPr>
               <a:t>function</a:t>
@@ -24461,7 +24555,7 @@
                 <a:solidFill>
                   <a:schemeClr val="bg1"/>
                 </a:solidFill>
-                <a:hlinkClick r:id="rId39">
+                <a:hlinkClick r:id="rId40">
                   <a:extLst>
                     <a:ext uri="{A12FA001-AC4F-418D-AE19-62706E023703}">
                       <ahyp:hlinkClr xmlns:ahyp="http://schemas.microsoft.com/office/drawing/2018/hyperlinkcolor" val="tx"/>
@@ -24510,7 +24604,7 @@
             <a:r>
               <a:rPr lang="en-US" sz="1200" b="1" dirty="0" err="1">
                 <a:latin typeface="Consolas" panose="020B0609020204030204" pitchFamily="49" charset="0"/>
-                <a:hlinkClick r:id="rId40"/>
+                <a:hlinkClick r:id="rId41"/>
               </a:rPr>
               <a:t>dropna</a:t>
             </a:r>
@@ -24537,7 +24631,7 @@
             <a:r>
               <a:rPr lang="en-US" sz="1200" b="1" dirty="0" err="1">
                 <a:latin typeface="Consolas" panose="020B0609020204030204" pitchFamily="49" charset="0"/>
-                <a:hlinkClick r:id="rId41"/>
+                <a:hlinkClick r:id="rId42"/>
               </a:rPr>
               <a:t>fillna</a:t>
             </a:r>
@@ -24571,8 +24665,8 @@
         </p:nvSpPr>
         <p:spPr>
           <a:xfrm>
-            <a:off x="4859785" y="9650228"/>
-            <a:ext cx="4141240" cy="1771895"/>
+            <a:off x="4859784" y="9650228"/>
+            <a:ext cx="4218035" cy="1771895"/>
           </a:xfrm>
           <a:prstGeom prst="rect">
             <a:avLst/>
@@ -24596,7 +24690,7 @@
             </a:r>
             <a:r>
               <a:rPr lang="de-DE" sz="1200" b="1">
-                <a:hlinkClick r:id="rId42"/>
+                <a:hlinkClick r:id="rId43"/>
               </a:rPr>
               <a:t>pipe</a:t>
             </a:r>
@@ -24606,7 +24700,7 @@
             </a:r>
             <a:r>
               <a:rPr lang="de-DE" sz="1200"/>
-              <a:t>when chaining function</a:t>
+              <a:t>when chaining functions</a:t>
             </a:r>
           </a:p>
           <a:p>
@@ -24621,7 +24715,7 @@
             </a:r>
             <a:r>
               <a:rPr lang="de-DE" sz="1200" b="1">
-                <a:hlinkClick r:id="rId43"/>
+                <a:hlinkClick r:id="rId44"/>
               </a:rPr>
               <a:t>apply</a:t>
             </a:r>
@@ -24631,7 +24725,7 @@
             </a:r>
             <a:r>
               <a:rPr lang="de-DE" sz="1200"/>
-              <a:t>to apply function on a axis</a:t>
+              <a:t>to apply functions on a axis</a:t>
             </a:r>
           </a:p>
           <a:p>
@@ -24646,7 +24740,7 @@
             </a:r>
             <a:r>
               <a:rPr lang="de-DE" sz="1200" b="1">
-                <a:hlinkClick r:id="rId44"/>
+                <a:hlinkClick r:id="rId45"/>
               </a:rPr>
               <a:t>agg</a:t>
             </a:r>
@@ -24656,7 +24750,7 @@
             </a:r>
             <a:r>
               <a:rPr lang="de-DE" sz="1200"/>
-              <a:t>to express multiple agg. operations</a:t>
+              <a:t>to express multiple aggregating operations</a:t>
             </a:r>
           </a:p>
           <a:p>
@@ -24671,17 +24765,17 @@
             </a:r>
             <a:r>
               <a:rPr lang="de-DE" sz="1200" b="1">
-                <a:hlinkClick r:id="rId45"/>
+                <a:hlinkClick r:id="rId46"/>
               </a:rPr>
               <a:t>transform</a:t>
             </a:r>
             <a:r>
               <a:rPr lang="de-DE" sz="1200" b="1"/>
-              <a:t>() </a:t>
+              <a:t>()</a:t>
             </a:r>
             <a:r>
               <a:rPr lang="de-DE" sz="1200"/>
-              <a:t>to return same size DataFrame</a:t>
+              <a:t> returns same size DataFrame; else much like agg()</a:t>
             </a:r>
             <a:endParaRPr lang="de-DE" sz="1200" b="1"/>
           </a:p>
@@ -24773,7 +24867,7 @@
                 <a:solidFill>
                   <a:schemeClr val="bg1"/>
                 </a:solidFill>
-                <a:hlinkClick r:id="rId46">
+                <a:hlinkClick r:id="rId47">
                   <a:extLst>
                     <a:ext uri="{A12FA001-AC4F-418D-AE19-62706E023703}">
                       <ahyp:hlinkClr xmlns:ahyp="http://schemas.microsoft.com/office/drawing/2018/hyperlinkcolor" val="tx"/>
@@ -24825,19 +24919,19 @@
             </a:r>
             <a:r>
               <a:rPr lang="en-US" sz="800">
-                <a:hlinkClick r:id="rId47"/>
+                <a:hlinkClick r:id="rId48"/>
               </a:rPr>
               <a:t>http</a:t>
             </a:r>
             <a:r>
               <a:rPr lang="en-US" sz="800" dirty="0">
-                <a:hlinkClick r:id="rId47"/>
+                <a:hlinkClick r:id="rId48"/>
               </a:rPr>
               <a:t>://pandas.pydata.org</a:t>
             </a:r>
             <a:r>
               <a:rPr lang="en-US" sz="800">
-                <a:hlinkClick r:id="rId47"/>
+                <a:hlinkClick r:id="rId48"/>
               </a:rPr>
               <a:t>/</a:t>
             </a:r>
@@ -24847,7 +24941,7 @@
             </a:r>
             <a:r>
               <a:rPr lang="en-US" sz="800">
-                <a:hlinkClick r:id="rId48"/>
+                <a:hlinkClick r:id="rId49"/>
               </a:rPr>
               <a:t>official cheatsheet</a:t>
             </a:r>
@@ -24861,25 +24955,25 @@
             </a:r>
             <a:r>
               <a:rPr lang="en-US" sz="800" dirty="0" err="1">
-                <a:hlinkClick r:id="rId49"/>
+                <a:hlinkClick r:id="rId50"/>
               </a:rPr>
               <a:t>Rstudio</a:t>
             </a:r>
             <a:r>
               <a:rPr lang="en-US" sz="800" dirty="0">
-                <a:hlinkClick r:id="rId49"/>
+                <a:hlinkClick r:id="rId50"/>
               </a:rPr>
               <a:t> Data Wrangling </a:t>
             </a:r>
             <a:r>
               <a:rPr lang="en-US" sz="800" err="1">
-                <a:hlinkClick r:id="rId49"/>
+                <a:hlinkClick r:id="rId50"/>
               </a:rPr>
               <a:t>Cheatsheet</a:t>
             </a:r>
             <a:r>
               <a:rPr lang="en-US" sz="800">
-                <a:hlinkClick r:id="rId49"/>
+                <a:hlinkClick r:id="rId50"/>
               </a:rPr>
               <a:t> </a:t>
             </a:r>
@@ -24893,7 +24987,7 @@
             </a:r>
             <a:r>
               <a:rPr lang="en-US" sz="800">
-                <a:hlinkClick r:id="rId50"/>
+                <a:hlinkClick r:id="rId51"/>
               </a:rPr>
               <a:t>Princeton Consultants</a:t>
             </a:r>
@@ -24903,7 +24997,7 @@
             </a:r>
             <a:r>
               <a:rPr lang="en-US" sz="800">
-                <a:hlinkClick r:id="rId51"/>
+                <a:hlinkClick r:id="rId52"/>
               </a:rPr>
               <a:t>https://github.com/OliEfr</a:t>
             </a:r>

--- a/Pandas_Cheat_Sheet.pptx
+++ b/Pandas_Cheat_Sheet.pptx
@@ -261,7 +261,7 @@
           <a:p>
             <a:fld id="{79278B33-2949-49BE-B3B0-3F16CAF906FE}" type="datetimeFigureOut">
               <a:rPr lang="en-US" smtClean="0"/>
-              <a:t>2/10/2021</a:t>
+              <a:t>2/12/2021</a:t>
             </a:fld>
             <a:endParaRPr lang="en-US"/>
           </a:p>
@@ -431,7 +431,7 @@
           <a:p>
             <a:fld id="{79278B33-2949-49BE-B3B0-3F16CAF906FE}" type="datetimeFigureOut">
               <a:rPr lang="en-US" smtClean="0"/>
-              <a:t>2/10/2021</a:t>
+              <a:t>2/12/2021</a:t>
             </a:fld>
             <a:endParaRPr lang="en-US"/>
           </a:p>
@@ -611,7 +611,7 @@
           <a:p>
             <a:fld id="{79278B33-2949-49BE-B3B0-3F16CAF906FE}" type="datetimeFigureOut">
               <a:rPr lang="en-US" smtClean="0"/>
-              <a:t>2/10/2021</a:t>
+              <a:t>2/12/2021</a:t>
             </a:fld>
             <a:endParaRPr lang="en-US"/>
           </a:p>
@@ -781,7 +781,7 @@
           <a:p>
             <a:fld id="{79278B33-2949-49BE-B3B0-3F16CAF906FE}" type="datetimeFigureOut">
               <a:rPr lang="en-US" smtClean="0"/>
-              <a:t>2/10/2021</a:t>
+              <a:t>2/12/2021</a:t>
             </a:fld>
             <a:endParaRPr lang="en-US"/>
           </a:p>
@@ -1025,7 +1025,7 @@
           <a:p>
             <a:fld id="{79278B33-2949-49BE-B3B0-3F16CAF906FE}" type="datetimeFigureOut">
               <a:rPr lang="en-US" smtClean="0"/>
-              <a:t>2/10/2021</a:t>
+              <a:t>2/12/2021</a:t>
             </a:fld>
             <a:endParaRPr lang="en-US"/>
           </a:p>
@@ -1257,7 +1257,7 @@
           <a:p>
             <a:fld id="{79278B33-2949-49BE-B3B0-3F16CAF906FE}" type="datetimeFigureOut">
               <a:rPr lang="en-US" smtClean="0"/>
-              <a:t>2/10/2021</a:t>
+              <a:t>2/12/2021</a:t>
             </a:fld>
             <a:endParaRPr lang="en-US"/>
           </a:p>
@@ -1624,7 +1624,7 @@
           <a:p>
             <a:fld id="{79278B33-2949-49BE-B3B0-3F16CAF906FE}" type="datetimeFigureOut">
               <a:rPr lang="en-US" smtClean="0"/>
-              <a:t>2/10/2021</a:t>
+              <a:t>2/12/2021</a:t>
             </a:fld>
             <a:endParaRPr lang="en-US"/>
           </a:p>
@@ -1742,7 +1742,7 @@
           <a:p>
             <a:fld id="{79278B33-2949-49BE-B3B0-3F16CAF906FE}" type="datetimeFigureOut">
               <a:rPr lang="en-US" smtClean="0"/>
-              <a:t>2/10/2021</a:t>
+              <a:t>2/12/2021</a:t>
             </a:fld>
             <a:endParaRPr lang="en-US"/>
           </a:p>
@@ -1837,7 +1837,7 @@
           <a:p>
             <a:fld id="{79278B33-2949-49BE-B3B0-3F16CAF906FE}" type="datetimeFigureOut">
               <a:rPr lang="en-US" smtClean="0"/>
-              <a:t>2/10/2021</a:t>
+              <a:t>2/12/2021</a:t>
             </a:fld>
             <a:endParaRPr lang="en-US"/>
           </a:p>
@@ -2114,7 +2114,7 @@
           <a:p>
             <a:fld id="{79278B33-2949-49BE-B3B0-3F16CAF906FE}" type="datetimeFigureOut">
               <a:rPr lang="en-US" smtClean="0"/>
-              <a:t>2/10/2021</a:t>
+              <a:t>2/12/2021</a:t>
             </a:fld>
             <a:endParaRPr lang="en-US"/>
           </a:p>
@@ -2371,7 +2371,7 @@
           <a:p>
             <a:fld id="{79278B33-2949-49BE-B3B0-3F16CAF906FE}" type="datetimeFigureOut">
               <a:rPr lang="en-US" smtClean="0"/>
-              <a:t>2/10/2021</a:t>
+              <a:t>2/12/2021</a:t>
             </a:fld>
             <a:endParaRPr lang="en-US"/>
           </a:p>
@@ -2584,7 +2584,7 @@
           <a:p>
             <a:fld id="{79278B33-2949-49BE-B3B0-3F16CAF906FE}" type="datetimeFigureOut">
               <a:rPr lang="en-US" smtClean="0"/>
-              <a:t>2/10/2021</a:t>
+              <a:t>2/12/2021</a:t>
             </a:fld>
             <a:endParaRPr lang="en-US"/>
           </a:p>
@@ -3004,7 +3004,7 @@
         <p:spPr>
           <a:xfrm>
             <a:off x="251102" y="539114"/>
-            <a:ext cx="3441323" cy="791072"/>
+            <a:ext cx="3441323" cy="749656"/>
           </a:xfrm>
           <a:prstGeom prst="roundRect">
             <a:avLst>
@@ -8210,14 +8210,31 @@
           <a:lstStyle/>
           <a:p>
             <a:r>
+              <a:rPr lang="en-US" sz="1200">
+                <a:latin typeface="Consolas" panose="020B0609020204030204" pitchFamily="49" charset="0"/>
+              </a:rPr>
+              <a:t>use</a:t>
+            </a:r>
+            <a:r>
               <a:rPr lang="en-US" sz="1200" b="1">
+                <a:latin typeface="Consolas" panose="020B0609020204030204" pitchFamily="49" charset="0"/>
+              </a:rPr>
+              <a:t> </a:t>
+            </a:r>
+            <a:r>
+              <a:rPr lang="en-US" sz="1200" b="1">
+                <a:latin typeface="Consolas" panose="020B0609020204030204" pitchFamily="49" charset="0"/>
                 <a:hlinkClick r:id="rId2"/>
               </a:rPr>
               <a:t>IO-Tools</a:t>
             </a:r>
             <a:r>
               <a:rPr lang="en-US" sz="1200" b="1"/>
-              <a:t> from files</a:t>
+              <a:t> </a:t>
+            </a:r>
+            <a:r>
+              <a:rPr lang="en-US" sz="1200"/>
+              <a:t>to import from files</a:t>
             </a:r>
             <a:br>
               <a:rPr lang="en-US" sz="1200" b="1">
@@ -9869,14 +9886,14 @@
           <a:effectLst/>
           <a:extLst>
             <a:ext uri="{909E8E84-426E-40dd-AFC4-6F175D3DCCD1}">
-              <a14:hiddenFill xmlns:a14="http://schemas.microsoft.com/office/drawing/2010/main" xmlns="">
+              <a14:hiddenFill xmlns="" xmlns:a14="http://schemas.microsoft.com/office/drawing/2010/main">
                 <a:solidFill>
                   <a:schemeClr val="accent1"/>
                 </a:solidFill>
               </a14:hiddenFill>
             </a:ext>
             <a:ext uri="{91240B29-F687-4f45-9708-019B960494DF}">
-              <a14:hiddenLine xmlns:a14="http://schemas.microsoft.com/office/drawing/2010/main" xmlns="" w="9525">
+              <a14:hiddenLine xmlns="" xmlns:a14="http://schemas.microsoft.com/office/drawing/2010/main" w="9525">
                 <a:solidFill>
                   <a:schemeClr val="tx1"/>
                 </a:solidFill>
@@ -9886,7 +9903,7 @@
               </a14:hiddenLine>
             </a:ext>
             <a:ext uri="{AF507438-7753-43e0-B8FC-AC1667EBCBE1}">
-              <a14:hiddenEffects xmlns:a14="http://schemas.microsoft.com/office/drawing/2010/main" xmlns="">
+              <a14:hiddenEffects xmlns="" xmlns:a14="http://schemas.microsoft.com/office/drawing/2010/main">
                 <a:effectLst>
                   <a:outerShdw dist="35921" dir="2700000" algn="ctr" rotWithShape="0">
                     <a:schemeClr val="bg2"/>
@@ -24338,7 +24355,7 @@
         </p:nvSpPr>
         <p:spPr>
           <a:xfrm>
-            <a:off x="136406" y="9646802"/>
+            <a:off x="136406" y="9556649"/>
             <a:ext cx="4301088" cy="1200329"/>
           </a:xfrm>
           <a:prstGeom prst="rect">
@@ -24665,8 +24682,8 @@
         </p:nvSpPr>
         <p:spPr>
           <a:xfrm>
-            <a:off x="4859784" y="9650228"/>
-            <a:ext cx="4218035" cy="1771895"/>
+            <a:off x="4619780" y="9572954"/>
+            <a:ext cx="4633919" cy="2002728"/>
           </a:xfrm>
           <a:prstGeom prst="rect">
             <a:avLst/>
@@ -24685,22 +24702,27 @@
               </a:lnSpc>
             </a:pPr>
             <a:r>
-              <a:rPr lang="de-DE" sz="1200" b="1"/>
+              <a:rPr lang="de-DE" sz="1200" b="1">
+                <a:latin typeface="Consolas" panose="020B0609020204030204" pitchFamily="49" charset="0"/>
+              </a:rPr>
               <a:t>df.</a:t>
             </a:r>
             <a:r>
               <a:rPr lang="de-DE" sz="1200" b="1">
+                <a:latin typeface="Consolas" panose="020B0609020204030204" pitchFamily="49" charset="0"/>
                 <a:hlinkClick r:id="rId43"/>
               </a:rPr>
               <a:t>pipe</a:t>
             </a:r>
             <a:r>
-              <a:rPr lang="de-DE" sz="1200" b="1"/>
+              <a:rPr lang="de-DE" sz="1200" b="1">
+                <a:latin typeface="Consolas" panose="020B0609020204030204" pitchFamily="49" charset="0"/>
+              </a:rPr>
               <a:t>() </a:t>
             </a:r>
             <a:r>
               <a:rPr lang="de-DE" sz="1200"/>
-              <a:t>when chaining functions</a:t>
+              <a:t>when chaining functions; tablewise fct. application</a:t>
             </a:r>
           </a:p>
           <a:p>
@@ -24710,22 +24732,27 @@
               </a:lnSpc>
             </a:pPr>
             <a:r>
-              <a:rPr lang="de-DE" sz="1200" b="1"/>
+              <a:rPr lang="de-DE" sz="1200" b="1">
+                <a:latin typeface="Consolas" panose="020B0609020204030204" pitchFamily="49" charset="0"/>
+              </a:rPr>
               <a:t>df.</a:t>
             </a:r>
             <a:r>
               <a:rPr lang="de-DE" sz="1200" b="1">
+                <a:latin typeface="Consolas" panose="020B0609020204030204" pitchFamily="49" charset="0"/>
                 <a:hlinkClick r:id="rId44"/>
               </a:rPr>
               <a:t>apply</a:t>
             </a:r>
             <a:r>
-              <a:rPr lang="de-DE" sz="1200" b="1"/>
+              <a:rPr lang="de-DE" sz="1200" b="1">
+                <a:latin typeface="Consolas" panose="020B0609020204030204" pitchFamily="49" charset="0"/>
+              </a:rPr>
               <a:t>() </a:t>
             </a:r>
             <a:r>
               <a:rPr lang="de-DE" sz="1200"/>
-              <a:t>to apply functions on a axis</a:t>
+              <a:t>row (axis=1) or column(axis=0) wise fct. application</a:t>
             </a:r>
           </a:p>
           <a:p>
@@ -24735,22 +24762,50 @@
               </a:lnSpc>
             </a:pPr>
             <a:r>
-              <a:rPr lang="de-DE" sz="1200" b="1"/>
+              <a:rPr lang="de-DE" sz="1200" b="1">
+                <a:latin typeface="Consolas" panose="020B0609020204030204" pitchFamily="49" charset="0"/>
+              </a:rPr>
               <a:t>df.</a:t>
             </a:r>
             <a:r>
               <a:rPr lang="de-DE" sz="1200" b="1">
+                <a:latin typeface="Consolas" panose="020B0609020204030204" pitchFamily="49" charset="0"/>
                 <a:hlinkClick r:id="rId45"/>
               </a:rPr>
               <a:t>agg</a:t>
             </a:r>
             <a:r>
-              <a:rPr lang="de-DE" sz="1200" b="1"/>
-              <a:t>() </a:t>
+              <a:rPr lang="de-DE" sz="1200" b="1">
+                <a:latin typeface="Consolas" panose="020B0609020204030204" pitchFamily="49" charset="0"/>
+              </a:rPr>
+              <a:t>()</a:t>
             </a:r>
             <a:r>
               <a:rPr lang="de-DE" sz="1200"/>
-              <a:t>to express multiple aggregating operations</a:t>
+              <a:t>and </a:t>
+            </a:r>
+            <a:r>
+              <a:rPr lang="de-DE" sz="1200" b="1">
+                <a:latin typeface="Consolas" panose="020B0609020204030204" pitchFamily="49" charset="0"/>
+              </a:rPr>
+              <a:t>df.</a:t>
+            </a:r>
+            <a:r>
+              <a:rPr lang="de-DE" sz="1200" b="1">
+                <a:latin typeface="Consolas" panose="020B0609020204030204" pitchFamily="49" charset="0"/>
+                <a:hlinkClick r:id="rId46"/>
+              </a:rPr>
+              <a:t>transform</a:t>
+            </a:r>
+            <a:r>
+              <a:rPr lang="de-DE" sz="1200" b="1">
+                <a:latin typeface="Consolas" panose="020B0609020204030204" pitchFamily="49" charset="0"/>
+              </a:rPr>
+              <a:t>()</a:t>
+            </a:r>
+            <a:r>
+              <a:rPr lang="de-DE" sz="1200"/>
+              <a:t> use multiple aggregating operations</a:t>
             </a:r>
           </a:p>
           <a:p>
@@ -24760,22 +24815,53 @@
               </a:lnSpc>
             </a:pPr>
             <a:r>
-              <a:rPr lang="de-DE" sz="1200" b="1"/>
+              <a:rPr lang="de-DE" sz="1200" b="1">
+                <a:latin typeface="Consolas" panose="020B0609020204030204" pitchFamily="49" charset="0"/>
+              </a:rPr>
               <a:t>df.</a:t>
             </a:r>
             <a:r>
               <a:rPr lang="de-DE" sz="1200" b="1">
-                <a:hlinkClick r:id="rId46"/>
-              </a:rPr>
-              <a:t>transform</a:t>
-            </a:r>
-            <a:r>
-              <a:rPr lang="de-DE" sz="1200" b="1"/>
-              <a:t>()</a:t>
+                <a:latin typeface="Consolas" panose="020B0609020204030204" pitchFamily="49" charset="0"/>
+                <a:hlinkClick r:id="rId47"/>
+              </a:rPr>
+              <a:t>assign</a:t>
+            </a:r>
+            <a:r>
+              <a:rPr lang="de-DE" sz="1200" b="1">
+                <a:latin typeface="Consolas" panose="020B0609020204030204" pitchFamily="49" charset="0"/>
+              </a:rPr>
+              <a:t>() </a:t>
             </a:r>
             <a:r>
               <a:rPr lang="de-DE" sz="1200"/>
-              <a:t> returns same size DataFrame; else much like agg()</a:t>
+              <a:t>assigns new columns to a df</a:t>
+            </a:r>
+            <a:br>
+              <a:rPr lang="de-DE" sz="1200"/>
+            </a:br>
+            <a:r>
+              <a:rPr lang="de-DE" sz="1200" b="1">
+                <a:latin typeface="Consolas" panose="020B0609020204030204" pitchFamily="49" charset="0"/>
+              </a:rPr>
+              <a:t>df.</a:t>
+            </a:r>
+            <a:r>
+              <a:rPr lang="de-DE" sz="1200" b="1">
+                <a:latin typeface="Consolas" panose="020B0609020204030204" pitchFamily="49" charset="0"/>
+                <a:hlinkClick r:id="rId48"/>
+              </a:rPr>
+              <a:t>applymap</a:t>
+            </a:r>
+            <a:r>
+              <a:rPr lang="de-DE" sz="1200" b="1">
+                <a:latin typeface="Consolas" panose="020B0609020204030204" pitchFamily="49" charset="0"/>
+              </a:rPr>
+              <a:t>() </a:t>
+            </a:r>
+            <a:r>
+              <a:rPr lang="de-DE" sz="1200"/>
+              <a:t>elementwise function application</a:t>
             </a:r>
             <a:endParaRPr lang="de-DE" sz="1200" b="1"/>
           </a:p>
@@ -24867,7 +24953,7 @@
                 <a:solidFill>
                   <a:schemeClr val="bg1"/>
                 </a:solidFill>
-                <a:hlinkClick r:id="rId47">
+                <a:hlinkClick r:id="rId49">
                   <a:extLst>
                     <a:ext uri="{A12FA001-AC4F-418D-AE19-62706E023703}">
                       <ahyp:hlinkClr xmlns:ahyp="http://schemas.microsoft.com/office/drawing/2018/hyperlinkcolor" val="tx"/>
@@ -24899,7 +24985,7 @@
         </p:nvSpPr>
         <p:spPr>
           <a:xfrm>
-            <a:off x="4453072" y="10628443"/>
+            <a:off x="4453072" y="10654201"/>
             <a:ext cx="9815024" cy="215444"/>
           </a:xfrm>
           <a:prstGeom prst="rect">
@@ -24919,19 +25005,19 @@
             </a:r>
             <a:r>
               <a:rPr lang="en-US" sz="800">
-                <a:hlinkClick r:id="rId48"/>
+                <a:hlinkClick r:id="rId50"/>
               </a:rPr>
               <a:t>http</a:t>
             </a:r>
             <a:r>
               <a:rPr lang="en-US" sz="800" dirty="0">
-                <a:hlinkClick r:id="rId48"/>
+                <a:hlinkClick r:id="rId50"/>
               </a:rPr>
               <a:t>://pandas.pydata.org</a:t>
             </a:r>
             <a:r>
               <a:rPr lang="en-US" sz="800">
-                <a:hlinkClick r:id="rId48"/>
+                <a:hlinkClick r:id="rId50"/>
               </a:rPr>
               <a:t>/</a:t>
             </a:r>
@@ -24941,7 +25027,7 @@
             </a:r>
             <a:r>
               <a:rPr lang="en-US" sz="800">
-                <a:hlinkClick r:id="rId49"/>
+                <a:hlinkClick r:id="rId51"/>
               </a:rPr>
               <a:t>official cheatsheet</a:t>
             </a:r>
@@ -24955,25 +25041,25 @@
             </a:r>
             <a:r>
               <a:rPr lang="en-US" sz="800" dirty="0" err="1">
-                <a:hlinkClick r:id="rId50"/>
+                <a:hlinkClick r:id="rId52"/>
               </a:rPr>
               <a:t>Rstudio</a:t>
             </a:r>
             <a:r>
               <a:rPr lang="en-US" sz="800" dirty="0">
-                <a:hlinkClick r:id="rId50"/>
+                <a:hlinkClick r:id="rId52"/>
               </a:rPr>
               <a:t> Data Wrangling </a:t>
             </a:r>
             <a:r>
               <a:rPr lang="en-US" sz="800" err="1">
-                <a:hlinkClick r:id="rId50"/>
+                <a:hlinkClick r:id="rId52"/>
               </a:rPr>
               <a:t>Cheatsheet</a:t>
             </a:r>
             <a:r>
               <a:rPr lang="en-US" sz="800">
-                <a:hlinkClick r:id="rId50"/>
+                <a:hlinkClick r:id="rId52"/>
               </a:rPr>
               <a:t> </a:t>
             </a:r>
@@ -24987,7 +25073,7 @@
             </a:r>
             <a:r>
               <a:rPr lang="en-US" sz="800">
-                <a:hlinkClick r:id="rId51"/>
+                <a:hlinkClick r:id="rId53"/>
               </a:rPr>
               <a:t>Princeton Consultants</a:t>
             </a:r>
@@ -24997,7 +25083,7 @@
             </a:r>
             <a:r>
               <a:rPr lang="en-US" sz="800">
-                <a:hlinkClick r:id="rId52"/>
+                <a:hlinkClick r:id="rId54"/>
               </a:rPr>
               <a:t>https://github.com/OliEfr</a:t>
             </a:r>
